--- a/Task 1/pres_1.pptx
+++ b/Task 1/pres_1.pptx
@@ -116,6 +116,11 @@
       </a:defRPr>
     </a:lvl9pPr>
   </p:defaultTextStyle>
+  <p:extLst>
+    <p:ext uri="{EFAFB233-063F-42B5-8137-9DF3F51BA10A}">
+      <p15:sldGuideLst xmlns:p15="http://schemas.microsoft.com/office/powerpoint/2012/main"/>
+    </p:ext>
+  </p:extLst>
 </p:presentation>
 </file>
 
@@ -393,7 +398,7 @@
               <a:rPr lang="en-US" sz="1400" b="0" strike="noStrike" spc="-1">
                 <a:latin typeface="Times New Roman"/>
               </a:rPr>
-              <a:t>‹#›</a:t>
+              <a:t>‹Nr.›</a:t>
             </a:fld>
             <a:endParaRPr lang="en-US" sz="1400" b="0" strike="noStrike" spc="-1">
               <a:latin typeface="Times New Roman"/>
@@ -2324,7 +2329,7 @@
           <a:lstStyle/>
           <a:p>
             <a:fld id="{872BF2DB-59DF-420B-A3EC-20F7877E45DC}" type="slidenum">
-              <a:t>‹#›</a:t>
+              <a:t>‹Nr.›</a:t>
             </a:fld>
             <a:endParaRPr/>
           </a:p>
@@ -2468,7 +2473,7 @@
           <a:lstStyle/>
           <a:p>
             <a:fld id="{AD9B19EE-467E-4B7F-8324-B49C6C9CF42F}" type="slidenum">
-              <a:t>‹#›</a:t>
+              <a:t>‹Nr.›</a:t>
             </a:fld>
             <a:endParaRPr/>
           </a:p>
@@ -2621,7 +2626,7 @@
           <a:lstStyle/>
           <a:p>
             <a:fld id="{AE1C3A99-D3B5-4B97-81E5-FB01CD4F50C6}" type="slidenum">
-              <a:t>‹#›</a:t>
+              <a:t>‹Nr.›</a:t>
             </a:fld>
             <a:endParaRPr/>
           </a:p>
@@ -2821,7 +2826,7 @@
           <a:lstStyle/>
           <a:p>
             <a:fld id="{512AF66D-BB1F-4131-8E50-9C5880E8A07B}" type="slidenum">
-              <a:t>‹#›</a:t>
+              <a:t>‹Nr.›</a:t>
             </a:fld>
             <a:endParaRPr/>
           </a:p>
@@ -2927,7 +2932,7 @@
           <a:lstStyle/>
           <a:p>
             <a:fld id="{2F2526E1-B972-4B94-AE24-E67B1E3F0F06}" type="slidenum">
-              <a:t>‹#›</a:t>
+              <a:t>‹Nr.›</a:t>
             </a:fld>
             <a:endParaRPr/>
           </a:p>
@@ -3033,7 +3038,7 @@
           <a:lstStyle/>
           <a:p>
             <a:fld id="{F4A68C57-CB3A-41DF-A331-F27A055F29BC}" type="slidenum">
-              <a:t>‹#›</a:t>
+              <a:t>‹Nr.›</a:t>
             </a:fld>
             <a:endParaRPr/>
           </a:p>
@@ -3280,7 +3285,7 @@
           <a:lstStyle/>
           <a:p>
             <a:fld id="{4F4127F4-28B7-4D13-9517-67BD1ED15A2A}" type="slidenum">
-              <a:t>‹#›</a:t>
+              <a:t>‹Nr.›</a:t>
             </a:fld>
             <a:endParaRPr/>
           </a:p>
@@ -3628,7 +3633,7 @@
           <a:lstStyle/>
           <a:p>
             <a:fld id="{B077D09C-CFC7-4DD7-AB90-72BC1EA0EE0B}" type="slidenum">
-              <a:t>‹#›</a:t>
+              <a:t>‹Nr.›</a:t>
             </a:fld>
             <a:endParaRPr/>
           </a:p>
@@ -3875,7 +3880,7 @@
           <a:lstStyle/>
           <a:p>
             <a:fld id="{7B9B0A27-362C-46E0-8128-8AD0D495AA67}" type="slidenum">
-              <a:t>‹#›</a:t>
+              <a:t>‹Nr.›</a:t>
             </a:fld>
             <a:endParaRPr/>
           </a:p>
@@ -4075,7 +4080,7 @@
           <a:lstStyle/>
           <a:p>
             <a:fld id="{4B9B7F22-29A1-4170-BE3C-C9E83AA49634}" type="slidenum">
-              <a:t>‹#›</a:t>
+              <a:t>‹Nr.›</a:t>
             </a:fld>
             <a:endParaRPr/>
           </a:p>
@@ -4369,7 +4374,7 @@
           <a:lstStyle/>
           <a:p>
             <a:fld id="{83C4CBC6-D894-47FA-95E4-092DD1362EDD}" type="slidenum">
-              <a:t>‹#›</a:t>
+              <a:t>‹Nr.›</a:t>
             </a:fld>
             <a:endParaRPr/>
           </a:p>
@@ -4757,7 +4762,7 @@
           <a:lstStyle/>
           <a:p>
             <a:fld id="{5EC76571-4D75-4703-998F-D8EFAA52B285}" type="slidenum">
-              <a:t>‹#›</a:t>
+              <a:t>‹Nr.›</a:t>
             </a:fld>
             <a:endParaRPr/>
           </a:p>
@@ -4825,7 +4830,7 @@
           <a:lstStyle/>
           <a:p>
             <a:fld id="{554D4470-C2E0-492A-A70F-B7A46E491753}" type="slidenum">
-              <a:t>‹#›</a:t>
+              <a:t>‹Nr.›</a:t>
             </a:fld>
             <a:endParaRPr/>
           </a:p>
@@ -4969,7 +4974,7 @@
           <a:lstStyle/>
           <a:p>
             <a:fld id="{37CB973E-8554-4930-8D94-4D8A81F302DC}" type="slidenum">
-              <a:t>‹#›</a:t>
+              <a:t>‹Nr.›</a:t>
             </a:fld>
             <a:endParaRPr/>
           </a:p>
@@ -5122,7 +5127,7 @@
           <a:lstStyle/>
           <a:p>
             <a:fld id="{E5F00BE4-0CF7-4E7A-8BE6-025E38C3A105}" type="slidenum">
-              <a:t>‹#›</a:t>
+              <a:t>‹Nr.›</a:t>
             </a:fld>
             <a:endParaRPr/>
           </a:p>
@@ -5322,7 +5327,7 @@
           <a:lstStyle/>
           <a:p>
             <a:fld id="{78FA8676-297B-4D92-9A6E-472078E6945D}" type="slidenum">
-              <a:t>‹#›</a:t>
+              <a:t>‹Nr.›</a:t>
             </a:fld>
             <a:endParaRPr/>
           </a:p>
@@ -5428,7 +5433,7 @@
           <a:lstStyle/>
           <a:p>
             <a:fld id="{A3DE448F-7401-4D6B-A6E7-20361EBA5783}" type="slidenum">
-              <a:t>‹#›</a:t>
+              <a:t>‹Nr.›</a:t>
             </a:fld>
             <a:endParaRPr/>
           </a:p>
@@ -5644,7 +5649,7 @@
           <a:lstStyle/>
           <a:p>
             <a:fld id="{962E77BA-57DF-4945-B86F-57CF033E9FDA}" type="slidenum">
-              <a:t>‹#›</a:t>
+              <a:t>‹Nr.›</a:t>
             </a:fld>
             <a:endParaRPr/>
           </a:p>
@@ -5891,7 +5896,7 @@
           <a:lstStyle/>
           <a:p>
             <a:fld id="{CE037AF9-18ED-4120-BEE3-9DA0A277B495}" type="slidenum">
-              <a:t>‹#›</a:t>
+              <a:t>‹Nr.›</a:t>
             </a:fld>
             <a:endParaRPr/>
           </a:p>
@@ -6138,7 +6143,7 @@
           <a:lstStyle/>
           <a:p>
             <a:fld id="{5FD0C828-F6FA-4CAB-AA46-356F5343A400}" type="slidenum">
-              <a:t>‹#›</a:t>
+              <a:t>‹Nr.›</a:t>
             </a:fld>
             <a:endParaRPr/>
           </a:p>
@@ -6385,7 +6390,7 @@
           <a:lstStyle/>
           <a:p>
             <a:fld id="{9C1F3CF4-AB16-47CE-984B-7B18320AF01E}" type="slidenum">
-              <a:t>‹#›</a:t>
+              <a:t>‹Nr.›</a:t>
             </a:fld>
             <a:endParaRPr/>
           </a:p>
@@ -6585,7 +6590,7 @@
           <a:lstStyle/>
           <a:p>
             <a:fld id="{3FB15E9C-91F8-44E1-80FC-D431DEEB281B}" type="slidenum">
-              <a:t>‹#›</a:t>
+              <a:t>‹Nr.›</a:t>
             </a:fld>
             <a:endParaRPr/>
           </a:p>
@@ -6879,7 +6884,7 @@
           <a:lstStyle/>
           <a:p>
             <a:fld id="{3FCB76A9-8C2F-4B45-975B-14A69A9A30A7}" type="slidenum">
-              <a:t>‹#›</a:t>
+              <a:t>‹Nr.›</a:t>
             </a:fld>
             <a:endParaRPr/>
           </a:p>
@@ -7267,7 +7272,7 @@
           <a:lstStyle/>
           <a:p>
             <a:fld id="{4AE9AA04-FF9B-484A-ADA8-C32D1B287AE1}" type="slidenum">
-              <a:t>‹#›</a:t>
+              <a:t>‹Nr.›</a:t>
             </a:fld>
             <a:endParaRPr/>
           </a:p>
@@ -9154,7 +9159,7 @@
                 </a:solidFill>
                 <a:latin typeface="Calibri"/>
               </a:rPr>
-              <a:t>‹#›</a:t>
+              <a:t>‹Nr.›</a:t>
             </a:fld>
             <a:endParaRPr lang="en-US" sz="1000" b="0" strike="noStrike" spc="-1">
               <a:latin typeface="Times New Roman"/>
@@ -9695,7 +9700,7 @@
                 </a:solidFill>
                 <a:latin typeface="Calibri"/>
               </a:rPr>
-              <a:t>‹#›</a:t>
+              <a:t>‹Nr.›</a:t>
             </a:fld>
             <a:endParaRPr lang="en-US" sz="1000" b="0" strike="noStrike" spc="-1">
               <a:latin typeface="Times New Roman"/>
@@ -13253,7 +13258,7 @@
               <a:buChar char="»"/>
             </a:pPr>
             <a:r>
-              <a:rPr lang="de-DE" sz="1600" spc="-1" dirty="0">
+              <a:rPr lang="de-DE" sz="1600" u="sng" spc="-1" dirty="0">
                 <a:solidFill>
                   <a:srgbClr val="0563C1"/>
                 </a:solidFill>
@@ -13261,7 +13266,7 @@
               </a:rPr>
               <a:t>Google Maps API</a:t>
             </a:r>
-            <a:endParaRPr lang="de-DE" sz="1600" b="0" strike="noStrike" spc="-1" dirty="0">
+            <a:endParaRPr lang="de-DE" sz="1600" b="0" u="sng" strike="noStrike" spc="-1" dirty="0">
               <a:solidFill>
                 <a:srgbClr val="000000"/>
               </a:solidFill>

--- a/Task 1/pres_1.pptx
+++ b/Task 1/pres_1.pptx
@@ -7,7 +7,7 @@
     <p:sldMasterId id="2147483713" r:id="rId3"/>
   </p:sldMasterIdLst>
   <p:notesMasterIdLst>
-    <p:notesMasterId r:id="rId12"/>
+    <p:notesMasterId r:id="rId13"/>
   </p:notesMasterIdLst>
   <p:sldIdLst>
     <p:sldId id="256" r:id="rId4"/>
@@ -17,7 +17,8 @@
     <p:sldId id="260" r:id="rId8"/>
     <p:sldId id="261" r:id="rId9"/>
     <p:sldId id="266" r:id="rId10"/>
-    <p:sldId id="265" r:id="rId11"/>
+    <p:sldId id="267" r:id="rId11"/>
+    <p:sldId id="265" r:id="rId12"/>
   </p:sldIdLst>
   <p:sldSz cx="12192000" cy="6858000"/>
   <p:notesSz cx="6858000" cy="9144000"/>
@@ -398,7 +399,7 @@
               <a:rPr lang="en-US" sz="1400" b="0" strike="noStrike" spc="-1">
                 <a:latin typeface="Times New Roman"/>
               </a:rPr>
-              <a:t>‹Nr.›</a:t>
+              <a:t>‹#›</a:t>
             </a:fld>
             <a:endParaRPr lang="en-US" sz="1400" b="0" strike="noStrike" spc="-1">
               <a:latin typeface="Times New Roman"/>
@@ -682,7 +683,7 @@
         <p:spPr>
           <a:xfrm>
             <a:off x="685800" y="1143000"/>
-            <a:ext cx="5486040" cy="3085920"/>
+            <a:ext cx="5486400" cy="3086100"/>
           </a:xfrm>
           <a:prstGeom prst="rect">
             <a:avLst/>
@@ -822,7 +823,7 @@
         <p:spPr>
           <a:xfrm>
             <a:off x="685800" y="1143000"/>
-            <a:ext cx="5486040" cy="3085920"/>
+            <a:ext cx="5486400" cy="3086100"/>
           </a:xfrm>
           <a:prstGeom prst="rect">
             <a:avLst/>
@@ -962,7 +963,7 @@
         <p:spPr>
           <a:xfrm>
             <a:off x="685800" y="1143000"/>
-            <a:ext cx="5486040" cy="3085920"/>
+            <a:ext cx="5486400" cy="3086100"/>
           </a:xfrm>
           <a:prstGeom prst="rect">
             <a:avLst/>
@@ -1102,7 +1103,7 @@
         <p:spPr>
           <a:xfrm>
             <a:off x="685800" y="1143000"/>
-            <a:ext cx="5486040" cy="3085920"/>
+            <a:ext cx="5486400" cy="3086100"/>
           </a:xfrm>
           <a:prstGeom prst="rect">
             <a:avLst/>
@@ -1242,7 +1243,7 @@
         <p:spPr>
           <a:xfrm>
             <a:off x="685800" y="1143000"/>
-            <a:ext cx="5486040" cy="3085920"/>
+            <a:ext cx="5486400" cy="3086100"/>
           </a:xfrm>
           <a:prstGeom prst="rect">
             <a:avLst/>
@@ -1488,6 +1489,151 @@
     <p:extLst>
       <p:ext uri="{BB962C8B-B14F-4D97-AF65-F5344CB8AC3E}">
         <p14:creationId xmlns:p14="http://schemas.microsoft.com/office/powerpoint/2010/main" val="4211609056"/>
+      </p:ext>
+    </p:extLst>
+  </p:cSld>
+  <p:clrMapOvr>
+    <a:masterClrMapping/>
+  </p:clrMapOvr>
+</p:notes>
+</file>
+
+<file path=ppt/notesSlides/notesSlide8.xml><?xml version="1.0" encoding="utf-8"?>
+<p:notes xmlns:a="http://schemas.openxmlformats.org/drawingml/2006/main" xmlns:r="http://schemas.openxmlformats.org/officeDocument/2006/relationships" xmlns:p="http://schemas.openxmlformats.org/presentationml/2006/main">
+  <p:cSld>
+    <p:spTree>
+      <p:nvGrpSpPr>
+        <p:cNvPr id="1" name=""/>
+        <p:cNvGrpSpPr/>
+        <p:nvPr/>
+      </p:nvGrpSpPr>
+      <p:grpSpPr>
+        <a:xfrm>
+          <a:off x="0" y="0"/>
+          <a:ext cx="0" cy="0"/>
+          <a:chOff x="0" y="0"/>
+          <a:chExt cx="0" cy="0"/>
+        </a:xfrm>
+      </p:grpSpPr>
+      <p:sp>
+        <p:nvSpPr>
+          <p:cNvPr id="308" name="PlaceHolder 1"/>
+          <p:cNvSpPr>
+            <a:spLocks noGrp="1" noRot="1" noChangeAspect="1"/>
+          </p:cNvSpPr>
+          <p:nvPr>
+            <p:ph type="sldImg"/>
+          </p:nvPr>
+        </p:nvSpPr>
+        <p:spPr>
+          <a:xfrm>
+            <a:off x="685800" y="1143000"/>
+            <a:ext cx="5486400" cy="3086100"/>
+          </a:xfrm>
+          <a:prstGeom prst="rect">
+            <a:avLst/>
+          </a:prstGeom>
+          <a:ln w="0">
+            <a:noFill/>
+          </a:ln>
+        </p:spPr>
+      </p:sp>
+      <p:sp>
+        <p:nvSpPr>
+          <p:cNvPr id="309" name="PlaceHolder 2"/>
+          <p:cNvSpPr>
+            <a:spLocks noGrp="1"/>
+          </p:cNvSpPr>
+          <p:nvPr>
+            <p:ph type="body"/>
+          </p:nvPr>
+        </p:nvSpPr>
+        <p:spPr>
+          <a:xfrm>
+            <a:off x="685800" y="4400640"/>
+            <a:ext cx="5486040" cy="3600000"/>
+          </a:xfrm>
+          <a:prstGeom prst="rect">
+            <a:avLst/>
+          </a:prstGeom>
+          <a:noFill/>
+          <a:ln w="0">
+            <a:noFill/>
+          </a:ln>
+        </p:spPr>
+        <p:txBody>
+          <a:bodyPr anchor="t">
+            <a:noAutofit/>
+          </a:bodyPr>
+          <a:lstStyle/>
+          <a:p>
+            <a:endParaRPr lang="en-US" sz="2000" b="0" strike="noStrike" spc="-1">
+              <a:latin typeface="Arial"/>
+            </a:endParaRPr>
+          </a:p>
+        </p:txBody>
+      </p:sp>
+      <p:sp>
+        <p:nvSpPr>
+          <p:cNvPr id="310" name="PlaceHolder 3"/>
+          <p:cNvSpPr>
+            <a:spLocks noGrp="1"/>
+          </p:cNvSpPr>
+          <p:nvPr>
+            <p:ph type="sldNum" idx="32"/>
+          </p:nvPr>
+        </p:nvSpPr>
+        <p:spPr>
+          <a:xfrm>
+            <a:off x="3884760" y="8685360"/>
+            <a:ext cx="2971440" cy="458280"/>
+          </a:xfrm>
+          <a:prstGeom prst="rect">
+            <a:avLst/>
+          </a:prstGeom>
+          <a:noFill/>
+          <a:ln w="0">
+            <a:noFill/>
+          </a:ln>
+        </p:spPr>
+        <p:txBody>
+          <a:bodyPr anchor="b">
+            <a:noAutofit/>
+          </a:bodyPr>
+          <a:lstStyle>
+            <a:lvl1pPr algn="r">
+              <a:lnSpc>
+                <a:spcPct val="100000"/>
+              </a:lnSpc>
+              <a:buNone/>
+              <a:defRPr lang="de-DE" sz="1200" b="0" strike="noStrike" spc="-1">
+                <a:latin typeface="Times New Roman"/>
+              </a:defRPr>
+            </a:lvl1pPr>
+          </a:lstStyle>
+          <a:p>
+            <a:pPr algn="r">
+              <a:lnSpc>
+                <a:spcPct val="100000"/>
+              </a:lnSpc>
+              <a:buNone/>
+            </a:pPr>
+            <a:fld id="{C90DAB4A-0199-421E-9CB0-3E1BFF704B89}" type="slidenum">
+              <a:rPr lang="de-DE" sz="1200" b="0" strike="noStrike" spc="-1">
+                <a:latin typeface="Times New Roman"/>
+              </a:rPr>
+              <a:t>8</a:t>
+            </a:fld>
+            <a:endParaRPr lang="en-US" sz="1200" b="0" strike="noStrike" spc="-1">
+              <a:latin typeface="Times New Roman"/>
+            </a:endParaRPr>
+          </a:p>
+        </p:txBody>
+      </p:sp>
+    </p:spTree>
+    <p:extLst>
+      <p:ext uri="{BB962C8B-B14F-4D97-AF65-F5344CB8AC3E}">
+        <p14:creationId xmlns:p14="http://schemas.microsoft.com/office/powerpoint/2010/main" val="3383602024"/>
       </p:ext>
     </p:extLst>
   </p:cSld>
@@ -2329,7 +2475,7 @@
           <a:lstStyle/>
           <a:p>
             <a:fld id="{872BF2DB-59DF-420B-A3EC-20F7877E45DC}" type="slidenum">
-              <a:t>‹Nr.›</a:t>
+              <a:t>‹#›</a:t>
             </a:fld>
             <a:endParaRPr/>
           </a:p>
@@ -2473,7 +2619,7 @@
           <a:lstStyle/>
           <a:p>
             <a:fld id="{AD9B19EE-467E-4B7F-8324-B49C6C9CF42F}" type="slidenum">
-              <a:t>‹Nr.›</a:t>
+              <a:t>‹#›</a:t>
             </a:fld>
             <a:endParaRPr/>
           </a:p>
@@ -2626,7 +2772,7 @@
           <a:lstStyle/>
           <a:p>
             <a:fld id="{AE1C3A99-D3B5-4B97-81E5-FB01CD4F50C6}" type="slidenum">
-              <a:t>‹Nr.›</a:t>
+              <a:t>‹#›</a:t>
             </a:fld>
             <a:endParaRPr/>
           </a:p>
@@ -2826,7 +2972,7 @@
           <a:lstStyle/>
           <a:p>
             <a:fld id="{512AF66D-BB1F-4131-8E50-9C5880E8A07B}" type="slidenum">
-              <a:t>‹Nr.›</a:t>
+              <a:t>‹#›</a:t>
             </a:fld>
             <a:endParaRPr/>
           </a:p>
@@ -2932,7 +3078,7 @@
           <a:lstStyle/>
           <a:p>
             <a:fld id="{2F2526E1-B972-4B94-AE24-E67B1E3F0F06}" type="slidenum">
-              <a:t>‹Nr.›</a:t>
+              <a:t>‹#›</a:t>
             </a:fld>
             <a:endParaRPr/>
           </a:p>
@@ -3038,7 +3184,7 @@
           <a:lstStyle/>
           <a:p>
             <a:fld id="{F4A68C57-CB3A-41DF-A331-F27A055F29BC}" type="slidenum">
-              <a:t>‹Nr.›</a:t>
+              <a:t>‹#›</a:t>
             </a:fld>
             <a:endParaRPr/>
           </a:p>
@@ -3285,7 +3431,7 @@
           <a:lstStyle/>
           <a:p>
             <a:fld id="{4F4127F4-28B7-4D13-9517-67BD1ED15A2A}" type="slidenum">
-              <a:t>‹Nr.›</a:t>
+              <a:t>‹#›</a:t>
             </a:fld>
             <a:endParaRPr/>
           </a:p>
@@ -3633,7 +3779,7 @@
           <a:lstStyle/>
           <a:p>
             <a:fld id="{B077D09C-CFC7-4DD7-AB90-72BC1EA0EE0B}" type="slidenum">
-              <a:t>‹Nr.›</a:t>
+              <a:t>‹#›</a:t>
             </a:fld>
             <a:endParaRPr/>
           </a:p>
@@ -3880,7 +4026,7 @@
           <a:lstStyle/>
           <a:p>
             <a:fld id="{7B9B0A27-362C-46E0-8128-8AD0D495AA67}" type="slidenum">
-              <a:t>‹Nr.›</a:t>
+              <a:t>‹#›</a:t>
             </a:fld>
             <a:endParaRPr/>
           </a:p>
@@ -4080,7 +4226,7 @@
           <a:lstStyle/>
           <a:p>
             <a:fld id="{4B9B7F22-29A1-4170-BE3C-C9E83AA49634}" type="slidenum">
-              <a:t>‹Nr.›</a:t>
+              <a:t>‹#›</a:t>
             </a:fld>
             <a:endParaRPr/>
           </a:p>
@@ -4374,7 +4520,7 @@
           <a:lstStyle/>
           <a:p>
             <a:fld id="{83C4CBC6-D894-47FA-95E4-092DD1362EDD}" type="slidenum">
-              <a:t>‹Nr.›</a:t>
+              <a:t>‹#›</a:t>
             </a:fld>
             <a:endParaRPr/>
           </a:p>
@@ -4762,7 +4908,7 @@
           <a:lstStyle/>
           <a:p>
             <a:fld id="{5EC76571-4D75-4703-998F-D8EFAA52B285}" type="slidenum">
-              <a:t>‹Nr.›</a:t>
+              <a:t>‹#›</a:t>
             </a:fld>
             <a:endParaRPr/>
           </a:p>
@@ -4830,7 +4976,7 @@
           <a:lstStyle/>
           <a:p>
             <a:fld id="{554D4470-C2E0-492A-A70F-B7A46E491753}" type="slidenum">
-              <a:t>‹Nr.›</a:t>
+              <a:t>‹#›</a:t>
             </a:fld>
             <a:endParaRPr/>
           </a:p>
@@ -4974,7 +5120,7 @@
           <a:lstStyle/>
           <a:p>
             <a:fld id="{37CB973E-8554-4930-8D94-4D8A81F302DC}" type="slidenum">
-              <a:t>‹Nr.›</a:t>
+              <a:t>‹#›</a:t>
             </a:fld>
             <a:endParaRPr/>
           </a:p>
@@ -5127,7 +5273,7 @@
           <a:lstStyle/>
           <a:p>
             <a:fld id="{E5F00BE4-0CF7-4E7A-8BE6-025E38C3A105}" type="slidenum">
-              <a:t>‹Nr.›</a:t>
+              <a:t>‹#›</a:t>
             </a:fld>
             <a:endParaRPr/>
           </a:p>
@@ -5327,7 +5473,7 @@
           <a:lstStyle/>
           <a:p>
             <a:fld id="{78FA8676-297B-4D92-9A6E-472078E6945D}" type="slidenum">
-              <a:t>‹Nr.›</a:t>
+              <a:t>‹#›</a:t>
             </a:fld>
             <a:endParaRPr/>
           </a:p>
@@ -5433,7 +5579,7 @@
           <a:lstStyle/>
           <a:p>
             <a:fld id="{A3DE448F-7401-4D6B-A6E7-20361EBA5783}" type="slidenum">
-              <a:t>‹Nr.›</a:t>
+              <a:t>‹#›</a:t>
             </a:fld>
             <a:endParaRPr/>
           </a:p>
@@ -5649,7 +5795,7 @@
           <a:lstStyle/>
           <a:p>
             <a:fld id="{962E77BA-57DF-4945-B86F-57CF033E9FDA}" type="slidenum">
-              <a:t>‹Nr.›</a:t>
+              <a:t>‹#›</a:t>
             </a:fld>
             <a:endParaRPr/>
           </a:p>
@@ -5896,7 +6042,7 @@
           <a:lstStyle/>
           <a:p>
             <a:fld id="{CE037AF9-18ED-4120-BEE3-9DA0A277B495}" type="slidenum">
-              <a:t>‹Nr.›</a:t>
+              <a:t>‹#›</a:t>
             </a:fld>
             <a:endParaRPr/>
           </a:p>
@@ -6143,7 +6289,7 @@
           <a:lstStyle/>
           <a:p>
             <a:fld id="{5FD0C828-F6FA-4CAB-AA46-356F5343A400}" type="slidenum">
-              <a:t>‹Nr.›</a:t>
+              <a:t>‹#›</a:t>
             </a:fld>
             <a:endParaRPr/>
           </a:p>
@@ -6390,7 +6536,7 @@
           <a:lstStyle/>
           <a:p>
             <a:fld id="{9C1F3CF4-AB16-47CE-984B-7B18320AF01E}" type="slidenum">
-              <a:t>‹Nr.›</a:t>
+              <a:t>‹#›</a:t>
             </a:fld>
             <a:endParaRPr/>
           </a:p>
@@ -6590,7 +6736,7 @@
           <a:lstStyle/>
           <a:p>
             <a:fld id="{3FB15E9C-91F8-44E1-80FC-D431DEEB281B}" type="slidenum">
-              <a:t>‹Nr.›</a:t>
+              <a:t>‹#›</a:t>
             </a:fld>
             <a:endParaRPr/>
           </a:p>
@@ -6884,7 +7030,7 @@
           <a:lstStyle/>
           <a:p>
             <a:fld id="{3FCB76A9-8C2F-4B45-975B-14A69A9A30A7}" type="slidenum">
-              <a:t>‹Nr.›</a:t>
+              <a:t>‹#›</a:t>
             </a:fld>
             <a:endParaRPr/>
           </a:p>
@@ -7272,7 +7418,7 @@
           <a:lstStyle/>
           <a:p>
             <a:fld id="{4AE9AA04-FF9B-484A-ADA8-C32D1B287AE1}" type="slidenum">
-              <a:t>‹Nr.›</a:t>
+              <a:t>‹#›</a:t>
             </a:fld>
             <a:endParaRPr/>
           </a:p>
@@ -9159,7 +9305,7 @@
                 </a:solidFill>
                 <a:latin typeface="Calibri"/>
               </a:rPr>
-              <a:t>‹Nr.›</a:t>
+              <a:t>‹#›</a:t>
             </a:fld>
             <a:endParaRPr lang="en-US" sz="1000" b="0" strike="noStrike" spc="-1">
               <a:latin typeface="Times New Roman"/>
@@ -9700,7 +9846,7 @@
                 </a:solidFill>
                 <a:latin typeface="Calibri"/>
               </a:rPr>
-              <a:t>‹Nr.›</a:t>
+              <a:t>‹#›</a:t>
             </a:fld>
             <a:endParaRPr lang="en-US" sz="1000" b="0" strike="noStrike" spc="-1">
               <a:latin typeface="Times New Roman"/>
@@ -10620,25 +10766,26 @@
               <a:buNone/>
             </a:pPr>
             <a:r>
-              <a:rPr lang="de-DE" sz="1000" b="0" strike="noStrike" spc="-1">
+              <a:rPr lang="de-DE" sz="1000" b="0" strike="noStrike" spc="-1" dirty="0">
                 <a:solidFill>
                   <a:srgbClr val="000000"/>
                 </a:solidFill>
                 <a:latin typeface="Calibri"/>
               </a:rPr>
-              <a:t>Hosting &amp; External Sources I Sven Rasmusen - </a:t>
-            </a:r>
-            <a:r>
-              <a:rPr lang="de-DE" sz="1000" b="0" strike="noStrike" spc="-1">
-                <a:solidFill>
-                  <a:srgbClr val="2E3338"/>
-                </a:solidFill>
-                <a:latin typeface="Whitney"/>
+              <a:t>Hosting &amp; External Sources I </a:t>
+            </a:r>
+            <a:r>
+              <a:rPr lang="de-DE" sz="1000" b="0" strike="noStrike" spc="-1" dirty="0">
+                <a:solidFill>
+                  <a:schemeClr val="tx1"/>
+                </a:solidFill>
+                <a:latin typeface="Calibri" panose="020F0502020204030204" pitchFamily="34" charset="0"/>
+                <a:cs typeface="Calibri" panose="020F0502020204030204" pitchFamily="34" charset="0"/>
               </a:rPr>
-              <a:t>Marko Zaric – Manuel Penz </a:t>
-            </a:r>
-            <a:r>
-              <a:rPr lang="de-DE" sz="1000" b="0" strike="noStrike" spc="-1">
+              <a:t>Sven Rasmusen - Marko Zaric – Manuel Penz </a:t>
+            </a:r>
+            <a:r>
+              <a:rPr lang="de-DE" sz="1000" b="0" strike="noStrike" spc="-1" dirty="0">
                 <a:solidFill>
                   <a:srgbClr val="000000"/>
                 </a:solidFill>
@@ -10646,7 +10793,7 @@
               </a:rPr>
               <a:t>I 30.04.2022</a:t>
             </a:r>
-            <a:endParaRPr lang="en-US" sz="1000" b="0" strike="noStrike" spc="-1">
+            <a:endParaRPr lang="en-US" sz="1000" b="0" strike="noStrike" spc="-1" dirty="0">
               <a:latin typeface="Times New Roman"/>
             </a:endParaRPr>
           </a:p>
@@ -10940,16 +11087,17 @@
                 </a:solidFill>
                 <a:latin typeface="Calibri"/>
               </a:rPr>
-              <a:t>Hosting &amp; External Sources I Sven Rasmusen - </a:t>
+              <a:t>Hosting &amp; External Sources I </a:t>
             </a:r>
             <a:r>
               <a:rPr lang="de-DE" sz="1000" b="0" strike="noStrike" spc="-1" dirty="0">
                 <a:solidFill>
-                  <a:srgbClr val="2E3338"/>
-                </a:solidFill>
-                <a:latin typeface="Whitney"/>
+                  <a:schemeClr val="tx1"/>
+                </a:solidFill>
+                <a:latin typeface="Calibri" panose="020F0502020204030204" pitchFamily="34" charset="0"/>
+                <a:cs typeface="Calibri" panose="020F0502020204030204" pitchFamily="34" charset="0"/>
               </a:rPr>
-              <a:t>Marko Zaric – Manuel Penz </a:t>
+              <a:t>Sven Rasmusen - Marko Zaric – Manuel Penz </a:t>
             </a:r>
             <a:r>
               <a:rPr lang="de-DE" sz="1000" b="0" strike="noStrike" spc="-1" dirty="0">
@@ -11292,25 +11440,26 @@
               <a:buNone/>
             </a:pPr>
             <a:r>
-              <a:rPr lang="de-DE" sz="1000" b="0" strike="noStrike" spc="-1">
+              <a:rPr lang="de-DE" sz="1000" b="0" strike="noStrike" spc="-1" dirty="0">
                 <a:solidFill>
                   <a:srgbClr val="000000"/>
                 </a:solidFill>
                 <a:latin typeface="Calibri"/>
               </a:rPr>
-              <a:t>Hosting &amp; External Sources I Sven Rasmusen - </a:t>
-            </a:r>
-            <a:r>
-              <a:rPr lang="de-DE" sz="1000" b="0" strike="noStrike" spc="-1">
-                <a:solidFill>
-                  <a:srgbClr val="2E3338"/>
-                </a:solidFill>
-                <a:latin typeface="Whitney"/>
+              <a:t>Hosting &amp; External Sources I </a:t>
+            </a:r>
+            <a:r>
+              <a:rPr lang="de-DE" sz="1000" b="0" strike="noStrike" spc="-1" dirty="0">
+                <a:solidFill>
+                  <a:schemeClr val="tx1"/>
+                </a:solidFill>
+                <a:latin typeface="Calibri" panose="020F0502020204030204" pitchFamily="34" charset="0"/>
+                <a:cs typeface="Calibri" panose="020F0502020204030204" pitchFamily="34" charset="0"/>
               </a:rPr>
-              <a:t>Marko Zaric – Manuel Penz </a:t>
-            </a:r>
-            <a:r>
-              <a:rPr lang="de-DE" sz="1000" b="0" strike="noStrike" spc="-1">
+              <a:t>Sven Rasmusen - Marko Zaric – Manuel Penz </a:t>
+            </a:r>
+            <a:r>
+              <a:rPr lang="de-DE" sz="1000" b="0" strike="noStrike" spc="-1" dirty="0">
                 <a:solidFill>
                   <a:srgbClr val="000000"/>
                 </a:solidFill>
@@ -11318,7 +11467,7 @@
               </a:rPr>
               <a:t>I 30.04.2022</a:t>
             </a:r>
-            <a:endParaRPr lang="en-US" sz="1000" b="0" strike="noStrike" spc="-1">
+            <a:endParaRPr lang="en-US" sz="1000" b="0" strike="noStrike" spc="-1" dirty="0">
               <a:latin typeface="Times New Roman"/>
             </a:endParaRPr>
           </a:p>
@@ -11665,25 +11814,26 @@
               <a:buNone/>
             </a:pPr>
             <a:r>
-              <a:rPr lang="de-DE" sz="1000" b="0" strike="noStrike" spc="-1">
+              <a:rPr lang="de-DE" sz="1000" b="0" strike="noStrike" spc="-1" dirty="0">
                 <a:solidFill>
                   <a:srgbClr val="000000"/>
                 </a:solidFill>
                 <a:latin typeface="Calibri"/>
               </a:rPr>
-              <a:t>Hosting &amp; External Sources I Sven Rasmusen - </a:t>
-            </a:r>
-            <a:r>
-              <a:rPr lang="de-DE" sz="1000" b="0" strike="noStrike" spc="-1">
-                <a:solidFill>
-                  <a:srgbClr val="2E3338"/>
-                </a:solidFill>
-                <a:latin typeface="Whitney"/>
+              <a:t>Hosting &amp; External Sources I </a:t>
+            </a:r>
+            <a:r>
+              <a:rPr lang="de-DE" sz="1000" b="0" strike="noStrike" spc="-1" dirty="0">
+                <a:solidFill>
+                  <a:schemeClr val="tx1"/>
+                </a:solidFill>
+                <a:latin typeface="Calibri" panose="020F0502020204030204" pitchFamily="34" charset="0"/>
+                <a:cs typeface="Calibri" panose="020F0502020204030204" pitchFamily="34" charset="0"/>
               </a:rPr>
-              <a:t>Marko Zaric – Manuel Penz </a:t>
-            </a:r>
-            <a:r>
-              <a:rPr lang="de-DE" sz="1000" b="0" strike="noStrike" spc="-1">
+              <a:t>Sven Rasmusen - Marko Zaric – Manuel Penz </a:t>
+            </a:r>
+            <a:r>
+              <a:rPr lang="de-DE" sz="1000" b="0" strike="noStrike" spc="-1" dirty="0">
                 <a:solidFill>
                   <a:srgbClr val="000000"/>
                 </a:solidFill>
@@ -11691,7 +11841,7 @@
               </a:rPr>
               <a:t>I 30.04.2022</a:t>
             </a:r>
-            <a:endParaRPr lang="en-US" sz="1000" b="0" strike="noStrike" spc="-1">
+            <a:endParaRPr lang="en-US" sz="1000" b="0" strike="noStrike" spc="-1" dirty="0">
               <a:latin typeface="Times New Roman"/>
             </a:endParaRPr>
           </a:p>
@@ -12283,25 +12433,26 @@
               <a:buNone/>
             </a:pPr>
             <a:r>
-              <a:rPr lang="de-DE" sz="1000" b="0" strike="noStrike" spc="-1">
+              <a:rPr lang="de-DE" sz="1000" b="0" strike="noStrike" spc="-1" dirty="0">
                 <a:solidFill>
                   <a:srgbClr val="000000"/>
                 </a:solidFill>
                 <a:latin typeface="Calibri"/>
               </a:rPr>
-              <a:t>Hosting &amp; External Sources I Sven Rasmusen - </a:t>
-            </a:r>
-            <a:r>
-              <a:rPr lang="de-DE" sz="1000" b="0" strike="noStrike" spc="-1">
-                <a:solidFill>
-                  <a:srgbClr val="2E3338"/>
-                </a:solidFill>
-                <a:latin typeface="Whitney"/>
+              <a:t>Hosting &amp; External Sources I </a:t>
+            </a:r>
+            <a:r>
+              <a:rPr lang="de-DE" sz="1000" b="0" strike="noStrike" spc="-1" dirty="0">
+                <a:solidFill>
+                  <a:schemeClr val="tx1"/>
+                </a:solidFill>
+                <a:latin typeface="Calibri" panose="020F0502020204030204" pitchFamily="34" charset="0"/>
+                <a:cs typeface="Calibri" panose="020F0502020204030204" pitchFamily="34" charset="0"/>
               </a:rPr>
-              <a:t>Marko Zaric – Manuel Penz </a:t>
-            </a:r>
-            <a:r>
-              <a:rPr lang="de-DE" sz="1000" b="0" strike="noStrike" spc="-1">
+              <a:t>Sven Rasmusen - Marko Zaric – Manuel Penz </a:t>
+            </a:r>
+            <a:r>
+              <a:rPr lang="de-DE" sz="1000" b="0" strike="noStrike" spc="-1" dirty="0">
                 <a:solidFill>
                   <a:srgbClr val="000000"/>
                 </a:solidFill>
@@ -12309,7 +12460,7 @@
               </a:rPr>
               <a:t>I 30.04.2022</a:t>
             </a:r>
-            <a:endParaRPr lang="en-US" sz="1000" b="0" strike="noStrike" spc="-1">
+            <a:endParaRPr lang="en-US" sz="1000" b="0" strike="noStrike" spc="-1" dirty="0">
               <a:latin typeface="Times New Roman"/>
             </a:endParaRPr>
           </a:p>
@@ -13025,25 +13176,26 @@
               <a:buNone/>
             </a:pPr>
             <a:r>
-              <a:rPr lang="de-DE" sz="1000" b="0" strike="noStrike" spc="-1">
+              <a:rPr lang="de-DE" sz="1000" b="0" strike="noStrike" spc="-1" dirty="0">
                 <a:solidFill>
                   <a:srgbClr val="000000"/>
                 </a:solidFill>
                 <a:latin typeface="Calibri"/>
               </a:rPr>
-              <a:t>Hosting &amp; External Sources I Sven Rasmusen - </a:t>
-            </a:r>
-            <a:r>
-              <a:rPr lang="de-DE" sz="1000" b="0" strike="noStrike" spc="-1">
-                <a:solidFill>
-                  <a:srgbClr val="2E3338"/>
-                </a:solidFill>
-                <a:latin typeface="Whitney"/>
+              <a:t>Hosting &amp; External Sources I </a:t>
+            </a:r>
+            <a:r>
+              <a:rPr lang="de-DE" sz="1000" b="0" strike="noStrike" spc="-1" dirty="0">
+                <a:solidFill>
+                  <a:schemeClr val="tx1"/>
+                </a:solidFill>
+                <a:latin typeface="Calibri" panose="020F0502020204030204" pitchFamily="34" charset="0"/>
+                <a:cs typeface="Calibri" panose="020F0502020204030204" pitchFamily="34" charset="0"/>
               </a:rPr>
-              <a:t>Marko Zaric – Manuel Penz </a:t>
-            </a:r>
-            <a:r>
-              <a:rPr lang="de-DE" sz="1000" b="0" strike="noStrike" spc="-1">
+              <a:t>Sven Rasmusen - Marko Zaric – Manuel Penz </a:t>
+            </a:r>
+            <a:r>
+              <a:rPr lang="de-DE" sz="1000" b="0" strike="noStrike" spc="-1" dirty="0">
                 <a:solidFill>
                   <a:srgbClr val="000000"/>
                 </a:solidFill>
@@ -13051,7 +13203,7 @@
               </a:rPr>
               <a:t>I 30.04.2022</a:t>
             </a:r>
-            <a:endParaRPr lang="en-US" sz="1000" b="0" strike="noStrike" spc="-1">
+            <a:endParaRPr lang="en-US" sz="1000" b="0" strike="noStrike" spc="-1" dirty="0">
               <a:latin typeface="Times New Roman"/>
             </a:endParaRPr>
           </a:p>
@@ -13439,6 +13591,603 @@
 </file>
 
 <file path=ppt/slides/slide8.xml><?xml version="1.0" encoding="utf-8"?>
+<p:sld xmlns:a="http://schemas.openxmlformats.org/drawingml/2006/main" xmlns:r="http://schemas.openxmlformats.org/officeDocument/2006/relationships" xmlns:p="http://schemas.openxmlformats.org/presentationml/2006/main">
+  <p:cSld>
+    <p:spTree>
+      <p:nvGrpSpPr>
+        <p:cNvPr id="1" name=""/>
+        <p:cNvGrpSpPr/>
+        <p:nvPr/>
+      </p:nvGrpSpPr>
+      <p:grpSpPr>
+        <a:xfrm>
+          <a:off x="0" y="0"/>
+          <a:ext cx="0" cy="0"/>
+          <a:chOff x="0" y="0"/>
+          <a:chExt cx="0" cy="0"/>
+        </a:xfrm>
+      </p:grpSpPr>
+      <p:sp>
+        <p:nvSpPr>
+          <p:cNvPr id="278" name="PlaceHolder 1"/>
+          <p:cNvSpPr>
+            <a:spLocks noGrp="1"/>
+          </p:cNvSpPr>
+          <p:nvPr>
+            <p:ph type="title"/>
+          </p:nvPr>
+        </p:nvSpPr>
+        <p:spPr>
+          <a:xfrm>
+            <a:off x="816480" y="581040"/>
+            <a:ext cx="10515240" cy="471240"/>
+          </a:xfrm>
+          <a:prstGeom prst="rect">
+            <a:avLst/>
+          </a:prstGeom>
+          <a:noFill/>
+          <a:ln w="0">
+            <a:noFill/>
+          </a:ln>
+        </p:spPr>
+        <p:txBody>
+          <a:bodyPr lIns="90000" tIns="45000" rIns="90000" bIns="45000" anchor="t">
+            <a:noAutofit/>
+          </a:bodyPr>
+          <a:lstStyle/>
+          <a:p>
+            <a:pPr>
+              <a:lnSpc>
+                <a:spcPct val="90000"/>
+              </a:lnSpc>
+              <a:buNone/>
+            </a:pPr>
+            <a:r>
+              <a:rPr lang="de-DE" sz="3000" b="0" strike="noStrike" spc="-1">
+                <a:solidFill>
+                  <a:srgbClr val="000000"/>
+                </a:solidFill>
+                <a:latin typeface="Calibri Light"/>
+              </a:rPr>
+              <a:t>External Sources</a:t>
+            </a:r>
+            <a:endParaRPr lang="de-DE" sz="3000" b="0" strike="noStrike" spc="-1">
+              <a:solidFill>
+                <a:srgbClr val="000000"/>
+              </a:solidFill>
+              <a:latin typeface="Calibri"/>
+            </a:endParaRPr>
+          </a:p>
+        </p:txBody>
+      </p:sp>
+      <p:sp>
+        <p:nvSpPr>
+          <p:cNvPr id="279" name="PlaceHolder 2"/>
+          <p:cNvSpPr>
+            <a:spLocks noGrp="1"/>
+          </p:cNvSpPr>
+          <p:nvPr>
+            <p:ph type="sldNum" idx="22"/>
+          </p:nvPr>
+        </p:nvSpPr>
+        <p:spPr>
+          <a:xfrm>
+            <a:off x="8610480" y="6356520"/>
+            <a:ext cx="2742840" cy="364680"/>
+          </a:xfrm>
+          <a:prstGeom prst="rect">
+            <a:avLst/>
+          </a:prstGeom>
+          <a:noFill/>
+          <a:ln w="0">
+            <a:noFill/>
+          </a:ln>
+        </p:spPr>
+        <p:txBody>
+          <a:bodyPr anchor="ctr">
+            <a:noAutofit/>
+          </a:bodyPr>
+          <a:lstStyle>
+            <a:lvl1pPr algn="r">
+              <a:lnSpc>
+                <a:spcPct val="100000"/>
+              </a:lnSpc>
+              <a:buNone/>
+              <a:defRPr lang="de-DE" sz="1000" b="0" strike="noStrike" spc="-1">
+                <a:solidFill>
+                  <a:srgbClr val="000000"/>
+                </a:solidFill>
+                <a:latin typeface="Calibri"/>
+              </a:defRPr>
+            </a:lvl1pPr>
+          </a:lstStyle>
+          <a:p>
+            <a:pPr algn="r">
+              <a:lnSpc>
+                <a:spcPct val="100000"/>
+              </a:lnSpc>
+              <a:buNone/>
+            </a:pPr>
+            <a:r>
+              <a:rPr lang="de-DE" sz="1000" b="0" strike="noStrike" spc="-1">
+                <a:solidFill>
+                  <a:srgbClr val="000000"/>
+                </a:solidFill>
+                <a:latin typeface="Calibri"/>
+              </a:rPr>
+              <a:t>Page </a:t>
+            </a:r>
+            <a:fld id="{0FE150D6-D649-424E-A04C-E6E4A6386601}" type="slidenum">
+              <a:rPr lang="de-DE" sz="1000" b="0" strike="noStrike" spc="-1">
+                <a:solidFill>
+                  <a:srgbClr val="000000"/>
+                </a:solidFill>
+                <a:latin typeface="Calibri"/>
+              </a:rPr>
+              <a:t>8</a:t>
+            </a:fld>
+            <a:endParaRPr lang="en-US" sz="1000" b="0" strike="noStrike" spc="-1">
+              <a:latin typeface="Times New Roman"/>
+            </a:endParaRPr>
+          </a:p>
+        </p:txBody>
+      </p:sp>
+      <p:sp>
+        <p:nvSpPr>
+          <p:cNvPr id="280" name="PlaceHolder 3"/>
+          <p:cNvSpPr>
+            <a:spLocks noGrp="1"/>
+          </p:cNvSpPr>
+          <p:nvPr>
+            <p:ph type="ftr" idx="23"/>
+          </p:nvPr>
+        </p:nvSpPr>
+        <p:spPr>
+          <a:xfrm>
+            <a:off x="3399120" y="6356520"/>
+            <a:ext cx="4818600" cy="364680"/>
+          </a:xfrm>
+          <a:prstGeom prst="rect">
+            <a:avLst/>
+          </a:prstGeom>
+          <a:noFill/>
+          <a:ln w="0">
+            <a:noFill/>
+          </a:ln>
+        </p:spPr>
+        <p:txBody>
+          <a:bodyPr anchor="ctr">
+            <a:noAutofit/>
+          </a:bodyPr>
+          <a:lstStyle>
+            <a:lvl1pPr algn="ctr">
+              <a:lnSpc>
+                <a:spcPct val="100000"/>
+              </a:lnSpc>
+              <a:buNone/>
+              <a:defRPr lang="de-DE" sz="1000" b="0" strike="noStrike" spc="-1">
+                <a:solidFill>
+                  <a:srgbClr val="000000"/>
+                </a:solidFill>
+                <a:latin typeface="Calibri"/>
+              </a:defRPr>
+            </a:lvl1pPr>
+          </a:lstStyle>
+          <a:p>
+            <a:pPr algn="ctr">
+              <a:lnSpc>
+                <a:spcPct val="100000"/>
+              </a:lnSpc>
+              <a:buNone/>
+            </a:pPr>
+            <a:r>
+              <a:rPr lang="de-DE" sz="1000" b="0" strike="noStrike" spc="-1" dirty="0">
+                <a:solidFill>
+                  <a:srgbClr val="000000"/>
+                </a:solidFill>
+                <a:latin typeface="Calibri"/>
+              </a:rPr>
+              <a:t>Hosting &amp; External Sources I </a:t>
+            </a:r>
+            <a:r>
+              <a:rPr lang="de-DE" sz="1000" b="0" strike="noStrike" spc="-1" dirty="0">
+                <a:solidFill>
+                  <a:schemeClr val="tx1"/>
+                </a:solidFill>
+                <a:latin typeface="Calibri" panose="020F0502020204030204" pitchFamily="34" charset="0"/>
+                <a:cs typeface="Calibri" panose="020F0502020204030204" pitchFamily="34" charset="0"/>
+              </a:rPr>
+              <a:t>Sven Rasmusen - Marko Zaric – Manuel Penz </a:t>
+            </a:r>
+            <a:r>
+              <a:rPr lang="de-DE" sz="1000" b="0" strike="noStrike" spc="-1" dirty="0">
+                <a:solidFill>
+                  <a:srgbClr val="000000"/>
+                </a:solidFill>
+                <a:latin typeface="Calibri"/>
+              </a:rPr>
+              <a:t>I 30.04.2022</a:t>
+            </a:r>
+            <a:endParaRPr lang="en-US" sz="1000" b="0" strike="noStrike" spc="-1" dirty="0">
+              <a:latin typeface="Times New Roman"/>
+            </a:endParaRPr>
+          </a:p>
+        </p:txBody>
+      </p:sp>
+      <p:sp>
+        <p:nvSpPr>
+          <p:cNvPr id="281" name="PlaceHolder 4"/>
+          <p:cNvSpPr>
+            <a:spLocks noGrp="1"/>
+          </p:cNvSpPr>
+          <p:nvPr>
+            <p:ph/>
+          </p:nvPr>
+        </p:nvSpPr>
+        <p:spPr>
+          <a:xfrm>
+            <a:off x="479520" y="1340640"/>
+            <a:ext cx="10874160" cy="4457160"/>
+          </a:xfrm>
+          <a:prstGeom prst="rect">
+            <a:avLst/>
+          </a:prstGeom>
+          <a:noFill/>
+          <a:ln w="0">
+            <a:noFill/>
+          </a:ln>
+        </p:spPr>
+        <p:txBody>
+          <a:bodyPr lIns="90000" tIns="45000" rIns="90000" bIns="45000" anchor="t">
+            <a:noAutofit/>
+          </a:bodyPr>
+          <a:lstStyle/>
+          <a:p>
+            <a:pPr marL="285840" indent="-285840">
+              <a:lnSpc>
+                <a:spcPct val="90000"/>
+              </a:lnSpc>
+              <a:spcBef>
+                <a:spcPts val="1001"/>
+              </a:spcBef>
+              <a:buClr>
+                <a:srgbClr val="343433"/>
+              </a:buClr>
+              <a:buFont typeface=".AppleSystemUIFont"/>
+              <a:buChar char="»"/>
+            </a:pPr>
+            <a:r>
+              <a:rPr lang="de-DE" sz="1600" b="0" u="sng" strike="noStrike" spc="-1" dirty="0">
+                <a:solidFill>
+                  <a:srgbClr val="0563C1"/>
+                </a:solidFill>
+                <a:uFillTx/>
+                <a:latin typeface="Calibri"/>
+                <a:hlinkClick r:id="rId3"/>
+              </a:rPr>
+              <a:t>www.</a:t>
+            </a:r>
+            <a:r>
+              <a:rPr lang="de-DE" sz="1600" b="0" u="sng" strike="noStrike" spc="-1" dirty="0">
+                <a:solidFill>
+                  <a:srgbClr val="0563C1"/>
+                </a:solidFill>
+                <a:uFillTx/>
+                <a:latin typeface="Calibri"/>
+              </a:rPr>
+              <a:t>wikidata.org</a:t>
+            </a:r>
+            <a:endParaRPr lang="de-DE" sz="1600" b="0" strike="noStrike" spc="-1" dirty="0">
+              <a:solidFill>
+                <a:srgbClr val="000000"/>
+              </a:solidFill>
+              <a:latin typeface="Calibri"/>
+            </a:endParaRPr>
+          </a:p>
+          <a:p>
+            <a:pPr marL="685800" lvl="1" indent="-228600">
+              <a:lnSpc>
+                <a:spcPct val="90000"/>
+              </a:lnSpc>
+              <a:spcBef>
+                <a:spcPts val="499"/>
+              </a:spcBef>
+              <a:buClr>
+                <a:srgbClr val="000000"/>
+              </a:buClr>
+              <a:buFont typeface="Arial"/>
+              <a:buChar char="•"/>
+            </a:pPr>
+            <a:r>
+              <a:rPr lang="de-DE" sz="1600" spc="-1" dirty="0">
+                <a:solidFill>
+                  <a:srgbClr val="000000"/>
+                </a:solidFill>
+                <a:latin typeface="Calibri"/>
+              </a:rPr>
+              <a:t>SPARQL Endpoint available!</a:t>
+            </a:r>
+          </a:p>
+          <a:p>
+            <a:pPr marL="685800" lvl="1" indent="-228600">
+              <a:lnSpc>
+                <a:spcPct val="90000"/>
+              </a:lnSpc>
+              <a:spcBef>
+                <a:spcPts val="499"/>
+              </a:spcBef>
+              <a:buClr>
+                <a:srgbClr val="000000"/>
+              </a:buClr>
+              <a:buFont typeface="Arial"/>
+              <a:buChar char="•"/>
+            </a:pPr>
+            <a:r>
+              <a:rPr lang="de-DE" sz="1600" spc="-1" dirty="0">
+                <a:solidFill>
+                  <a:srgbClr val="000000"/>
+                </a:solidFill>
+                <a:latin typeface="Calibri"/>
+              </a:rPr>
+              <a:t>Easy to learn how to query with SPARQL</a:t>
+            </a:r>
+          </a:p>
+          <a:p>
+            <a:pPr marL="457200" lvl="1" indent="0">
+              <a:lnSpc>
+                <a:spcPct val="90000"/>
+              </a:lnSpc>
+              <a:spcBef>
+                <a:spcPts val="499"/>
+              </a:spcBef>
+              <a:buClr>
+                <a:srgbClr val="000000"/>
+              </a:buClr>
+              <a:buNone/>
+            </a:pPr>
+            <a:endParaRPr lang="de-DE" sz="1600" u="sng" spc="-1" dirty="0">
+              <a:solidFill>
+                <a:srgbClr val="000000"/>
+              </a:solidFill>
+              <a:latin typeface="Calibri"/>
+            </a:endParaRPr>
+          </a:p>
+          <a:p>
+            <a:pPr marL="685800" lvl="1" indent="-228600">
+              <a:lnSpc>
+                <a:spcPct val="90000"/>
+              </a:lnSpc>
+              <a:spcBef>
+                <a:spcPts val="499"/>
+              </a:spcBef>
+              <a:buClr>
+                <a:srgbClr val="000000"/>
+              </a:buClr>
+              <a:buFont typeface="Arial"/>
+              <a:buChar char="•"/>
+            </a:pPr>
+            <a:r>
+              <a:rPr lang="de-DE" sz="1600" b="0" u="sng" strike="noStrike" spc="-1" dirty="0">
+                <a:solidFill>
+                  <a:srgbClr val="000000"/>
+                </a:solidFill>
+                <a:uFillTx/>
+                <a:latin typeface="Calibri"/>
+              </a:rPr>
+              <a:t>Offers</a:t>
+            </a:r>
+            <a:r>
+              <a:rPr lang="de-DE" sz="1600" b="0" strike="noStrike" spc="-1" dirty="0">
+                <a:solidFill>
+                  <a:srgbClr val="000000"/>
+                </a:solidFill>
+                <a:latin typeface="Calibri"/>
+              </a:rPr>
+              <a:t>:</a:t>
+            </a:r>
+          </a:p>
+          <a:p>
+            <a:pPr marL="1143000" lvl="2" indent="-228600">
+              <a:lnSpc>
+                <a:spcPct val="90000"/>
+              </a:lnSpc>
+              <a:spcBef>
+                <a:spcPts val="499"/>
+              </a:spcBef>
+              <a:buClr>
+                <a:srgbClr val="000000"/>
+              </a:buClr>
+              <a:buFont typeface="Arial"/>
+              <a:buChar char="•"/>
+            </a:pPr>
+            <a:r>
+              <a:rPr lang="de-DE" sz="1600" b="0" strike="noStrike" spc="-1" dirty="0">
+                <a:solidFill>
+                  <a:srgbClr val="000000"/>
+                </a:solidFill>
+                <a:latin typeface="Calibri"/>
+              </a:rPr>
+              <a:t>JSON, CSV, and TSV data</a:t>
+            </a:r>
+          </a:p>
+          <a:p>
+            <a:pPr marL="285840" indent="-285840">
+              <a:lnSpc>
+                <a:spcPct val="90000"/>
+              </a:lnSpc>
+              <a:spcBef>
+                <a:spcPts val="1001"/>
+              </a:spcBef>
+              <a:buClr>
+                <a:srgbClr val="343433"/>
+              </a:buClr>
+              <a:buFont typeface=".AppleSystemUIFont"/>
+              <a:buChar char="»"/>
+            </a:pPr>
+            <a:r>
+              <a:rPr lang="de-DE" sz="1600" b="0" u="sng" strike="noStrike" spc="-1" dirty="0">
+                <a:solidFill>
+                  <a:srgbClr val="0563C1"/>
+                </a:solidFill>
+                <a:uFillTx/>
+                <a:latin typeface="Calibri"/>
+                <a:hlinkClick r:id="rId3"/>
+              </a:rPr>
+              <a:t>www.</a:t>
+            </a:r>
+            <a:r>
+              <a:rPr lang="de-DE" sz="1600" b="0" u="sng" strike="noStrike" spc="-1" dirty="0">
+                <a:solidFill>
+                  <a:srgbClr val="0563C1"/>
+                </a:solidFill>
+                <a:uFillTx/>
+                <a:latin typeface="Calibri"/>
+              </a:rPr>
+              <a:t>dbpedia.org</a:t>
+            </a:r>
+            <a:endParaRPr lang="de-DE" sz="1600" b="0" strike="noStrike" spc="-1" dirty="0">
+              <a:solidFill>
+                <a:srgbClr val="000000"/>
+              </a:solidFill>
+              <a:latin typeface="Calibri"/>
+            </a:endParaRPr>
+          </a:p>
+          <a:p>
+            <a:pPr marL="685800" lvl="1" indent="-228600">
+              <a:lnSpc>
+                <a:spcPct val="90000"/>
+              </a:lnSpc>
+              <a:spcBef>
+                <a:spcPts val="499"/>
+              </a:spcBef>
+              <a:buClr>
+                <a:srgbClr val="000000"/>
+              </a:buClr>
+              <a:buFont typeface="Arial"/>
+              <a:buChar char="•"/>
+            </a:pPr>
+            <a:r>
+              <a:rPr lang="de-DE" sz="1600" spc="-1" dirty="0">
+                <a:solidFill>
+                  <a:srgbClr val="000000"/>
+                </a:solidFill>
+                <a:latin typeface="Calibri"/>
+              </a:rPr>
+              <a:t>SPARQL Endpoint available!</a:t>
+            </a:r>
+          </a:p>
+          <a:p>
+            <a:pPr marL="685800" lvl="1" indent="-228600">
+              <a:lnSpc>
+                <a:spcPct val="90000"/>
+              </a:lnSpc>
+              <a:spcBef>
+                <a:spcPts val="499"/>
+              </a:spcBef>
+              <a:buClr>
+                <a:srgbClr val="000000"/>
+              </a:buClr>
+              <a:buFont typeface="Arial"/>
+              <a:buChar char="•"/>
+            </a:pPr>
+            <a:endParaRPr lang="de-DE" sz="1600" u="sng" spc="-1" dirty="0">
+              <a:solidFill>
+                <a:srgbClr val="000000"/>
+              </a:solidFill>
+              <a:latin typeface="Calibri"/>
+            </a:endParaRPr>
+          </a:p>
+          <a:p>
+            <a:pPr marL="685800" lvl="1" indent="-228600">
+              <a:lnSpc>
+                <a:spcPct val="90000"/>
+              </a:lnSpc>
+              <a:spcBef>
+                <a:spcPts val="499"/>
+              </a:spcBef>
+              <a:buClr>
+                <a:srgbClr val="000000"/>
+              </a:buClr>
+              <a:buFont typeface="Arial"/>
+              <a:buChar char="•"/>
+            </a:pPr>
+            <a:r>
+              <a:rPr lang="de-DE" sz="1600" b="0" u="sng" strike="noStrike" spc="-1" dirty="0">
+                <a:solidFill>
+                  <a:srgbClr val="000000"/>
+                </a:solidFill>
+                <a:uFillTx/>
+                <a:latin typeface="Calibri"/>
+              </a:rPr>
+              <a:t>Offers</a:t>
+            </a:r>
+            <a:r>
+              <a:rPr lang="de-DE" sz="1600" b="0" strike="noStrike" spc="-1" dirty="0">
+                <a:solidFill>
+                  <a:srgbClr val="000000"/>
+                </a:solidFill>
+                <a:latin typeface="Calibri"/>
+              </a:rPr>
+              <a:t>:</a:t>
+            </a:r>
+          </a:p>
+          <a:p>
+            <a:pPr marL="1143000" lvl="2" indent="-228600">
+              <a:lnSpc>
+                <a:spcPct val="90000"/>
+              </a:lnSpc>
+              <a:spcBef>
+                <a:spcPts val="499"/>
+              </a:spcBef>
+              <a:buClr>
+                <a:srgbClr val="000000"/>
+              </a:buClr>
+              <a:buFont typeface="Arial"/>
+              <a:buChar char="•"/>
+            </a:pPr>
+            <a:r>
+              <a:rPr lang="de-DE" sz="1600" b="0" strike="noStrike" spc="-1" dirty="0">
+                <a:solidFill>
+                  <a:srgbClr val="000000"/>
+                </a:solidFill>
+                <a:latin typeface="Calibri"/>
+              </a:rPr>
+              <a:t>JSON, RDF, CSV, and many more</a:t>
+            </a:r>
+          </a:p>
+          <a:p>
+            <a:pPr>
+              <a:lnSpc>
+                <a:spcPct val="90000"/>
+              </a:lnSpc>
+              <a:spcBef>
+                <a:spcPts val="1417"/>
+              </a:spcBef>
+              <a:buNone/>
+            </a:pPr>
+            <a:endParaRPr lang="de-DE" sz="1600" b="0" strike="noStrike" spc="-1" dirty="0">
+              <a:solidFill>
+                <a:srgbClr val="000000"/>
+              </a:solidFill>
+              <a:latin typeface="Calibri"/>
+            </a:endParaRPr>
+          </a:p>
+        </p:txBody>
+      </p:sp>
+    </p:spTree>
+    <p:extLst>
+      <p:ext uri="{BB962C8B-B14F-4D97-AF65-F5344CB8AC3E}">
+        <p14:creationId xmlns:p14="http://schemas.microsoft.com/office/powerpoint/2010/main" val="375909019"/>
+      </p:ext>
+    </p:extLst>
+  </p:cSld>
+  <p:clrMapOvr>
+    <a:masterClrMapping/>
+  </p:clrMapOvr>
+</p:sld>
+</file>
+
+<file path=ppt/slides/slide9.xml><?xml version="1.0" encoding="utf-8"?>
 <p:sld xmlns:a="http://schemas.openxmlformats.org/drawingml/2006/main" xmlns:r="http://schemas.openxmlformats.org/officeDocument/2006/relationships" xmlns:p="http://schemas.openxmlformats.org/presentationml/2006/main">
   <p:cSld>
     <p:spTree>

--- a/Task 1/pres_1.pptx
+++ b/Task 1/pres_1.pptx
@@ -7,7 +7,7 @@
     <p:sldMasterId id="2147483713" r:id="rId3"/>
   </p:sldMasterIdLst>
   <p:notesMasterIdLst>
-    <p:notesMasterId r:id="rId12"/>
+    <p:notesMasterId r:id="rId13"/>
   </p:notesMasterIdLst>
   <p:sldIdLst>
     <p:sldId id="256" r:id="rId4"/>
@@ -17,7 +17,8 @@
     <p:sldId id="260" r:id="rId8"/>
     <p:sldId id="261" r:id="rId9"/>
     <p:sldId id="266" r:id="rId10"/>
-    <p:sldId id="265" r:id="rId11"/>
+    <p:sldId id="267" r:id="rId11"/>
+    <p:sldId id="265" r:id="rId12"/>
   </p:sldIdLst>
   <p:sldSz cx="12192000" cy="6858000"/>
   <p:notesSz cx="6858000" cy="9144000"/>
@@ -534,7 +535,7 @@
         <p:spPr>
           <a:xfrm>
             <a:off x="685800" y="1143000"/>
-            <a:ext cx="5486040" cy="3085920"/>
+            <a:ext cx="5486400" cy="3086100"/>
           </a:xfrm>
           <a:prstGeom prst="rect">
             <a:avLst/>
@@ -573,7 +574,7 @@
           </a:bodyPr>
           <a:lstStyle/>
           <a:p>
-            <a:endParaRPr lang="en-US" sz="2000" b="0" strike="noStrike" spc="-1">
+            <a:endParaRPr lang="en-US" sz="2000" b="0" strike="noStrike" spc="-1" dirty="0">
               <a:latin typeface="Arial"/>
             </a:endParaRPr>
           </a:p>
@@ -682,7 +683,7 @@
         <p:spPr>
           <a:xfrm>
             <a:off x="685800" y="1143000"/>
-            <a:ext cx="5486040" cy="3085920"/>
+            <a:ext cx="5486400" cy="3086100"/>
           </a:xfrm>
           <a:prstGeom prst="rect">
             <a:avLst/>
@@ -822,7 +823,7 @@
         <p:spPr>
           <a:xfrm>
             <a:off x="685800" y="1143000"/>
-            <a:ext cx="5486040" cy="3085920"/>
+            <a:ext cx="5486400" cy="3086100"/>
           </a:xfrm>
           <a:prstGeom prst="rect">
             <a:avLst/>
@@ -962,7 +963,7 @@
         <p:spPr>
           <a:xfrm>
             <a:off x="685800" y="1143000"/>
-            <a:ext cx="5486040" cy="3085920"/>
+            <a:ext cx="5486400" cy="3086100"/>
           </a:xfrm>
           <a:prstGeom prst="rect">
             <a:avLst/>
@@ -1102,7 +1103,7 @@
         <p:spPr>
           <a:xfrm>
             <a:off x="685800" y="1143000"/>
-            <a:ext cx="5486040" cy="3085920"/>
+            <a:ext cx="5486400" cy="3086100"/>
           </a:xfrm>
           <a:prstGeom prst="rect">
             <a:avLst/>
@@ -1242,7 +1243,7 @@
         <p:spPr>
           <a:xfrm>
             <a:off x="685800" y="1143000"/>
-            <a:ext cx="5486040" cy="3085920"/>
+            <a:ext cx="5486400" cy="3086100"/>
           </a:xfrm>
           <a:prstGeom prst="rect">
             <a:avLst/>
@@ -1421,7 +1422,7 @@
           </a:bodyPr>
           <a:lstStyle/>
           <a:p>
-            <a:endParaRPr lang="en-US" sz="2000" b="0" strike="noStrike" spc="-1">
+            <a:endParaRPr lang="en-US" sz="2000" b="0" strike="noStrike" spc="-1" dirty="0">
               <a:latin typeface="Arial"/>
             </a:endParaRPr>
           </a:p>
@@ -1488,6 +1489,151 @@
     <p:extLst>
       <p:ext uri="{BB962C8B-B14F-4D97-AF65-F5344CB8AC3E}">
         <p14:creationId xmlns:p14="http://schemas.microsoft.com/office/powerpoint/2010/main" val="4211609056"/>
+      </p:ext>
+    </p:extLst>
+  </p:cSld>
+  <p:clrMapOvr>
+    <a:masterClrMapping/>
+  </p:clrMapOvr>
+</p:notes>
+</file>
+
+<file path=ppt/notesSlides/notesSlide8.xml><?xml version="1.0" encoding="utf-8"?>
+<p:notes xmlns:a="http://schemas.openxmlformats.org/drawingml/2006/main" xmlns:r="http://schemas.openxmlformats.org/officeDocument/2006/relationships" xmlns:p="http://schemas.openxmlformats.org/presentationml/2006/main">
+  <p:cSld>
+    <p:spTree>
+      <p:nvGrpSpPr>
+        <p:cNvPr id="1" name=""/>
+        <p:cNvGrpSpPr/>
+        <p:nvPr/>
+      </p:nvGrpSpPr>
+      <p:grpSpPr>
+        <a:xfrm>
+          <a:off x="0" y="0"/>
+          <a:ext cx="0" cy="0"/>
+          <a:chOff x="0" y="0"/>
+          <a:chExt cx="0" cy="0"/>
+        </a:xfrm>
+      </p:grpSpPr>
+      <p:sp>
+        <p:nvSpPr>
+          <p:cNvPr id="308" name="PlaceHolder 1"/>
+          <p:cNvSpPr>
+            <a:spLocks noGrp="1" noRot="1" noChangeAspect="1"/>
+          </p:cNvSpPr>
+          <p:nvPr>
+            <p:ph type="sldImg"/>
+          </p:nvPr>
+        </p:nvSpPr>
+        <p:spPr>
+          <a:xfrm>
+            <a:off x="685800" y="1143000"/>
+            <a:ext cx="5486400" cy="3086100"/>
+          </a:xfrm>
+          <a:prstGeom prst="rect">
+            <a:avLst/>
+          </a:prstGeom>
+          <a:ln w="0">
+            <a:noFill/>
+          </a:ln>
+        </p:spPr>
+      </p:sp>
+      <p:sp>
+        <p:nvSpPr>
+          <p:cNvPr id="309" name="PlaceHolder 2"/>
+          <p:cNvSpPr>
+            <a:spLocks noGrp="1"/>
+          </p:cNvSpPr>
+          <p:nvPr>
+            <p:ph type="body"/>
+          </p:nvPr>
+        </p:nvSpPr>
+        <p:spPr>
+          <a:xfrm>
+            <a:off x="685800" y="4400640"/>
+            <a:ext cx="5486040" cy="3600000"/>
+          </a:xfrm>
+          <a:prstGeom prst="rect">
+            <a:avLst/>
+          </a:prstGeom>
+          <a:noFill/>
+          <a:ln w="0">
+            <a:noFill/>
+          </a:ln>
+        </p:spPr>
+        <p:txBody>
+          <a:bodyPr anchor="t">
+            <a:noAutofit/>
+          </a:bodyPr>
+          <a:lstStyle/>
+          <a:p>
+            <a:endParaRPr lang="en-US" sz="2000" b="0" strike="noStrike" spc="-1">
+              <a:latin typeface="Arial"/>
+            </a:endParaRPr>
+          </a:p>
+        </p:txBody>
+      </p:sp>
+      <p:sp>
+        <p:nvSpPr>
+          <p:cNvPr id="310" name="PlaceHolder 3"/>
+          <p:cNvSpPr>
+            <a:spLocks noGrp="1"/>
+          </p:cNvSpPr>
+          <p:nvPr>
+            <p:ph type="sldNum" idx="32"/>
+          </p:nvPr>
+        </p:nvSpPr>
+        <p:spPr>
+          <a:xfrm>
+            <a:off x="3884760" y="8685360"/>
+            <a:ext cx="2971440" cy="458280"/>
+          </a:xfrm>
+          <a:prstGeom prst="rect">
+            <a:avLst/>
+          </a:prstGeom>
+          <a:noFill/>
+          <a:ln w="0">
+            <a:noFill/>
+          </a:ln>
+        </p:spPr>
+        <p:txBody>
+          <a:bodyPr anchor="b">
+            <a:noAutofit/>
+          </a:bodyPr>
+          <a:lstStyle>
+            <a:lvl1pPr algn="r">
+              <a:lnSpc>
+                <a:spcPct val="100000"/>
+              </a:lnSpc>
+              <a:buNone/>
+              <a:defRPr lang="de-DE" sz="1200" b="0" strike="noStrike" spc="-1">
+                <a:latin typeface="Times New Roman"/>
+              </a:defRPr>
+            </a:lvl1pPr>
+          </a:lstStyle>
+          <a:p>
+            <a:pPr algn="r">
+              <a:lnSpc>
+                <a:spcPct val="100000"/>
+              </a:lnSpc>
+              <a:buNone/>
+            </a:pPr>
+            <a:fld id="{C90DAB4A-0199-421E-9CB0-3E1BFF704B89}" type="slidenum">
+              <a:rPr lang="de-DE" sz="1200" b="0" strike="noStrike" spc="-1">
+                <a:latin typeface="Times New Roman"/>
+              </a:rPr>
+              <a:t>8</a:t>
+            </a:fld>
+            <a:endParaRPr lang="en-US" sz="1200" b="0" strike="noStrike" spc="-1">
+              <a:latin typeface="Times New Roman"/>
+            </a:endParaRPr>
+          </a:p>
+        </p:txBody>
+      </p:sp>
+    </p:spTree>
+    <p:extLst>
+      <p:ext uri="{BB962C8B-B14F-4D97-AF65-F5344CB8AC3E}">
+        <p14:creationId xmlns:p14="http://schemas.microsoft.com/office/powerpoint/2010/main" val="3383602024"/>
       </p:ext>
     </p:extLst>
   </p:cSld>
@@ -10370,15 +10516,33 @@
               <a:buNone/>
             </a:pPr>
             <a:r>
-              <a:rPr lang="de-DE" sz="2800" b="0" strike="noStrike" spc="-1">
+              <a:rPr lang="de-DE" sz="2800" b="0" strike="noStrike" spc="-1" dirty="0">
                 <a:solidFill>
                   <a:srgbClr val="000000"/>
                 </a:solidFill>
                 <a:latin typeface="Calibri Light"/>
               </a:rPr>
-              <a:t>German Tourism Knowledge Graph – Hosting &amp; External Sources</a:t>
-            </a:r>
-            <a:endParaRPr lang="de-DE" sz="2800" b="0" strike="noStrike" spc="-1">
+              <a:t>German </a:t>
+            </a:r>
+            <a:r>
+              <a:rPr lang="de-DE" sz="2800" b="0" strike="noStrike" spc="-1" dirty="0" err="1">
+                <a:solidFill>
+                  <a:srgbClr val="000000"/>
+                </a:solidFill>
+                <a:latin typeface="Calibri Light"/>
+              </a:rPr>
+              <a:t>Tourism</a:t>
+            </a:r>
+            <a:r>
+              <a:rPr lang="de-DE" sz="2800" b="0" strike="noStrike" spc="-1" dirty="0">
+                <a:solidFill>
+                  <a:srgbClr val="000000"/>
+                </a:solidFill>
+                <a:latin typeface="Calibri Light"/>
+              </a:rPr>
+              <a:t> Knowledge Graph – Hosting &amp; External Sources</a:t>
+            </a:r>
+            <a:endParaRPr lang="de-DE" sz="2800" b="0" strike="noStrike" spc="-1" dirty="0">
               <a:solidFill>
                 <a:srgbClr val="000000"/>
               </a:solidFill>
@@ -10420,6 +10584,57 @@
           </a:effectRef>
           <a:fontRef idx="minor"/>
         </p:style>
+        <p:txBody>
+          <a:bodyPr/>
+          <a:lstStyle/>
+          <a:p>
+            <a:endParaRPr lang="de-DE" dirty="0"/>
+          </a:p>
+          <a:p>
+            <a:r>
+              <a:rPr lang="de-DE" sz="1400" dirty="0">
+                <a:latin typeface="Calibri Light" panose="020F0302020204030204" pitchFamily="34" charset="0"/>
+                <a:cs typeface="Calibri Light" panose="020F0302020204030204" pitchFamily="34" charset="0"/>
+              </a:rPr>
+              <a:t>    Penz Manuel – </a:t>
+            </a:r>
+            <a:r>
+              <a:rPr lang="de-DE" sz="1400" spc="-1" dirty="0" err="1">
+                <a:latin typeface="Calibri Light" panose="020F0302020204030204" pitchFamily="34" charset="0"/>
+                <a:cs typeface="Calibri Light" panose="020F0302020204030204" pitchFamily="34" charset="0"/>
+              </a:rPr>
+              <a:t>Rasmusen</a:t>
+            </a:r>
+            <a:r>
+              <a:rPr lang="de-DE" sz="1400" spc="-1" dirty="0">
+                <a:latin typeface="Calibri Light" panose="020F0302020204030204" pitchFamily="34" charset="0"/>
+                <a:cs typeface="Calibri Light" panose="020F0302020204030204" pitchFamily="34" charset="0"/>
+              </a:rPr>
+              <a:t> Sven – </a:t>
+            </a:r>
+            <a:r>
+              <a:rPr lang="de-DE" sz="1400" spc="-1" dirty="0" err="1">
+                <a:latin typeface="Calibri Light" panose="020F0302020204030204" pitchFamily="34" charset="0"/>
+                <a:cs typeface="Calibri Light" panose="020F0302020204030204" pitchFamily="34" charset="0"/>
+              </a:rPr>
+              <a:t>Zaric</a:t>
+            </a:r>
+            <a:r>
+              <a:rPr lang="de-DE" sz="1400" spc="-1" dirty="0">
+                <a:latin typeface="Calibri Light" panose="020F0302020204030204" pitchFamily="34" charset="0"/>
+                <a:cs typeface="Calibri Light" panose="020F0302020204030204" pitchFamily="34" charset="0"/>
+              </a:rPr>
+              <a:t> </a:t>
+            </a:r>
+            <a:r>
+              <a:rPr lang="de-DE" sz="1400" dirty="0">
+                <a:latin typeface="Calibri Light" panose="020F0302020204030204" pitchFamily="34" charset="0"/>
+                <a:cs typeface="Calibri Light" panose="020F0302020204030204" pitchFamily="34" charset="0"/>
+              </a:rPr>
+              <a:t>Marko</a:t>
+            </a:r>
+          </a:p>
+        </p:txBody>
       </p:sp>
     </p:spTree>
   </p:cSld>
@@ -10620,33 +10835,70 @@
               <a:buNone/>
             </a:pPr>
             <a:r>
-              <a:rPr lang="de-DE" sz="1000" b="0" strike="noStrike" spc="-1">
+              <a:rPr lang="de-DE" sz="1000" b="0" strike="noStrike" spc="-1" dirty="0">
                 <a:solidFill>
                   <a:srgbClr val="000000"/>
                 </a:solidFill>
                 <a:latin typeface="Calibri"/>
               </a:rPr>
-              <a:t>Hosting &amp; External Sources I Sven Rasmusen - </a:t>
-            </a:r>
-            <a:r>
-              <a:rPr lang="de-DE" sz="1000" b="0" strike="noStrike" spc="-1">
-                <a:solidFill>
-                  <a:srgbClr val="2E3338"/>
-                </a:solidFill>
-                <a:latin typeface="Whitney"/>
-              </a:rPr>
-              <a:t>Marko Zaric – Manuel Penz </a:t>
-            </a:r>
-            <a:r>
-              <a:rPr lang="de-DE" sz="1000" b="0" strike="noStrike" spc="-1">
+              <a:t>Hosting &amp; External Sources I Penz Manuel – </a:t>
+            </a:r>
+            <a:r>
+              <a:rPr lang="de-DE" sz="1000" b="0" strike="noStrike" spc="-1" dirty="0" err="1">
                 <a:solidFill>
                   <a:srgbClr val="000000"/>
                 </a:solidFill>
                 <a:latin typeface="Calibri"/>
               </a:rPr>
+              <a:t>Rasmusen</a:t>
+            </a:r>
+            <a:r>
+              <a:rPr lang="de-DE" sz="1000" b="0" strike="noStrike" spc="-1" dirty="0">
+                <a:solidFill>
+                  <a:srgbClr val="000000"/>
+                </a:solidFill>
+                <a:latin typeface="Calibri"/>
+              </a:rPr>
+              <a:t> Sven – </a:t>
+            </a:r>
+            <a:r>
+              <a:rPr lang="de-DE" sz="1000" b="0" strike="noStrike" spc="-1" dirty="0" err="1">
+                <a:solidFill>
+                  <a:srgbClr val="000000"/>
+                </a:solidFill>
+                <a:latin typeface="Calibri"/>
+              </a:rPr>
+              <a:t>Zaric</a:t>
+            </a:r>
+            <a:r>
+              <a:rPr lang="de-DE" sz="1000" b="0" strike="noStrike" spc="-1" dirty="0">
+                <a:solidFill>
+                  <a:srgbClr val="000000"/>
+                </a:solidFill>
+                <a:latin typeface="Calibri"/>
+              </a:rPr>
+              <a:t> Marko</a:t>
+            </a:r>
+            <a:r>
+              <a:rPr lang="de-DE" dirty="0">
+                <a:solidFill>
+                  <a:schemeClr val="tx1"/>
+                </a:solidFill>
+                <a:latin typeface="Calibri" panose="020F0502020204030204" pitchFamily="34" charset="0"/>
+                <a:cs typeface="Calibri" panose="020F0502020204030204" pitchFamily="34" charset="0"/>
+              </a:rPr>
+              <a:t> </a:t>
+            </a:r>
+            <a:r>
+              <a:rPr lang="de-DE" sz="1000" b="0" strike="noStrike" spc="-1" dirty="0">
+                <a:solidFill>
+                  <a:srgbClr val="000000"/>
+                </a:solidFill>
+                <a:latin typeface="Calibri"/>
+              </a:rPr>
               <a:t>I 30.04.2022</a:t>
             </a:r>
-            <a:endParaRPr lang="en-US" sz="1000" b="0" strike="noStrike" spc="-1">
+            <a:endParaRPr lang="en-US" sz="1000" b="0" strike="noStrike" spc="-1" dirty="0">
               <a:latin typeface="Times New Roman"/>
             </a:endParaRPr>
           </a:p>
@@ -10940,16 +11192,57 @@
                 </a:solidFill>
                 <a:latin typeface="Calibri"/>
               </a:rPr>
-              <a:t>Hosting &amp; External Sources I Sven Rasmusen - </a:t>
+              <a:t>Hosting &amp; External Sources I </a:t>
             </a:r>
             <a:r>
               <a:rPr lang="de-DE" sz="1000" b="0" strike="noStrike" spc="-1" dirty="0">
                 <a:solidFill>
-                  <a:srgbClr val="2E3338"/>
-                </a:solidFill>
-                <a:latin typeface="Whitney"/>
-              </a:rPr>
-              <a:t>Marko Zaric – Manuel Penz </a:t>
+                  <a:schemeClr val="tx1"/>
+                </a:solidFill>
+                <a:latin typeface="Calibri" panose="020F0502020204030204" pitchFamily="34" charset="0"/>
+                <a:cs typeface="Calibri" panose="020F0502020204030204" pitchFamily="34" charset="0"/>
+              </a:rPr>
+              <a:t>Penz Manuel – </a:t>
+            </a:r>
+            <a:r>
+              <a:rPr lang="de-DE" sz="1000" b="0" strike="noStrike" spc="-1" dirty="0" err="1">
+                <a:solidFill>
+                  <a:schemeClr val="tx1"/>
+                </a:solidFill>
+                <a:latin typeface="Calibri" panose="020F0502020204030204" pitchFamily="34" charset="0"/>
+                <a:cs typeface="Calibri" panose="020F0502020204030204" pitchFamily="34" charset="0"/>
+              </a:rPr>
+              <a:t>Rasmusen</a:t>
+            </a:r>
+            <a:r>
+              <a:rPr lang="de-DE" sz="1000" b="0" strike="noStrike" spc="-1" dirty="0">
+                <a:solidFill>
+                  <a:schemeClr val="tx1"/>
+                </a:solidFill>
+                <a:latin typeface="Calibri" panose="020F0502020204030204" pitchFamily="34" charset="0"/>
+                <a:cs typeface="Calibri" panose="020F0502020204030204" pitchFamily="34" charset="0"/>
+              </a:rPr>
+              <a:t> Sven – </a:t>
+            </a:r>
+            <a:r>
+              <a:rPr lang="de-DE" sz="1000" b="0" strike="noStrike" spc="-1" dirty="0" err="1">
+                <a:solidFill>
+                  <a:schemeClr val="tx1"/>
+                </a:solidFill>
+                <a:latin typeface="Calibri" panose="020F0502020204030204" pitchFamily="34" charset="0"/>
+                <a:cs typeface="Calibri" panose="020F0502020204030204" pitchFamily="34" charset="0"/>
+              </a:rPr>
+              <a:t>Zaric</a:t>
+            </a:r>
+            <a:r>
+              <a:rPr lang="de-DE" sz="1000" b="0" strike="noStrike" spc="-1" dirty="0">
+                <a:solidFill>
+                  <a:schemeClr val="tx1"/>
+                </a:solidFill>
+                <a:latin typeface="Calibri" panose="020F0502020204030204" pitchFamily="34" charset="0"/>
+                <a:cs typeface="Calibri" panose="020F0502020204030204" pitchFamily="34" charset="0"/>
+              </a:rPr>
+              <a:t> Marko </a:t>
             </a:r>
             <a:r>
               <a:rPr lang="de-DE" sz="1000" b="0" strike="noStrike" spc="-1" dirty="0">
@@ -11292,25 +11585,66 @@
               <a:buNone/>
             </a:pPr>
             <a:r>
-              <a:rPr lang="de-DE" sz="1000" b="0" strike="noStrike" spc="-1">
+              <a:rPr lang="de-DE" sz="1000" b="0" strike="noStrike" spc="-1" dirty="0">
                 <a:solidFill>
                   <a:srgbClr val="000000"/>
                 </a:solidFill>
                 <a:latin typeface="Calibri"/>
               </a:rPr>
-              <a:t>Hosting &amp; External Sources I Sven Rasmusen - </a:t>
-            </a:r>
-            <a:r>
-              <a:rPr lang="de-DE" sz="1000" b="0" strike="noStrike" spc="-1">
-                <a:solidFill>
-                  <a:srgbClr val="2E3338"/>
-                </a:solidFill>
-                <a:latin typeface="Whitney"/>
-              </a:rPr>
-              <a:t>Marko Zaric – Manuel Penz </a:t>
-            </a:r>
-            <a:r>
-              <a:rPr lang="de-DE" sz="1000" b="0" strike="noStrike" spc="-1">
+              <a:t>Hosting &amp; External Sources I </a:t>
+            </a:r>
+            <a:r>
+              <a:rPr lang="de-DE" sz="1000" b="0" strike="noStrike" spc="-1" dirty="0">
+                <a:solidFill>
+                  <a:schemeClr val="tx1"/>
+                </a:solidFill>
+                <a:latin typeface="Calibri" panose="020F0502020204030204" pitchFamily="34" charset="0"/>
+                <a:cs typeface="Calibri" panose="020F0502020204030204" pitchFamily="34" charset="0"/>
+              </a:rPr>
+              <a:t>Penz Manuel – </a:t>
+            </a:r>
+            <a:r>
+              <a:rPr lang="de-DE" sz="1000" b="0" strike="noStrike" spc="-1" dirty="0" err="1">
+                <a:solidFill>
+                  <a:schemeClr val="tx1"/>
+                </a:solidFill>
+                <a:latin typeface="Calibri" panose="020F0502020204030204" pitchFamily="34" charset="0"/>
+                <a:cs typeface="Calibri" panose="020F0502020204030204" pitchFamily="34" charset="0"/>
+              </a:rPr>
+              <a:t>Rasmusen</a:t>
+            </a:r>
+            <a:r>
+              <a:rPr lang="de-DE" sz="1000" b="0" strike="noStrike" spc="-1" dirty="0">
+                <a:solidFill>
+                  <a:schemeClr val="tx1"/>
+                </a:solidFill>
+                <a:latin typeface="Calibri" panose="020F0502020204030204" pitchFamily="34" charset="0"/>
+                <a:cs typeface="Calibri" panose="020F0502020204030204" pitchFamily="34" charset="0"/>
+              </a:rPr>
+              <a:t> Sven – </a:t>
+            </a:r>
+            <a:r>
+              <a:rPr lang="de-DE" sz="1000" b="0" strike="noStrike" spc="-1" dirty="0" err="1">
+                <a:solidFill>
+                  <a:schemeClr val="tx1"/>
+                </a:solidFill>
+                <a:latin typeface="Calibri" panose="020F0502020204030204" pitchFamily="34" charset="0"/>
+                <a:cs typeface="Calibri" panose="020F0502020204030204" pitchFamily="34" charset="0"/>
+              </a:rPr>
+              <a:t>Zaric</a:t>
+            </a:r>
+            <a:r>
+              <a:rPr lang="de-DE" sz="1000" b="0" strike="noStrike" spc="-1" dirty="0">
+                <a:solidFill>
+                  <a:schemeClr val="tx1"/>
+                </a:solidFill>
+                <a:latin typeface="Calibri" panose="020F0502020204030204" pitchFamily="34" charset="0"/>
+                <a:cs typeface="Calibri" panose="020F0502020204030204" pitchFamily="34" charset="0"/>
+              </a:rPr>
+              <a:t> Marko </a:t>
+            </a:r>
+            <a:r>
+              <a:rPr lang="de-DE" sz="1000" b="0" strike="noStrike" spc="-1" dirty="0">
                 <a:solidFill>
                   <a:srgbClr val="000000"/>
                 </a:solidFill>
@@ -11318,7 +11652,7 @@
               </a:rPr>
               <a:t>I 30.04.2022</a:t>
             </a:r>
-            <a:endParaRPr lang="en-US" sz="1000" b="0" strike="noStrike" spc="-1">
+            <a:endParaRPr lang="en-US" sz="1000" b="0" strike="noStrike" spc="-1" dirty="0">
               <a:latin typeface="Times New Roman"/>
             </a:endParaRPr>
           </a:p>
@@ -11362,7 +11696,7 @@
               </a:spcBef>
               <a:buNone/>
             </a:pPr>
-            <a:endParaRPr lang="de-DE" sz="2800" b="0" strike="noStrike" spc="-1">
+            <a:endParaRPr lang="de-DE" sz="2800" b="0" strike="noStrike" spc="-1" dirty="0">
               <a:solidFill>
                 <a:srgbClr val="000000"/>
               </a:solidFill>
@@ -11665,25 +11999,68 @@
               <a:buNone/>
             </a:pPr>
             <a:r>
-              <a:rPr lang="de-DE" sz="1000" b="0" strike="noStrike" spc="-1">
+              <a:rPr lang="de-DE" sz="1000" b="0" strike="noStrike" spc="-1" dirty="0">
                 <a:solidFill>
                   <a:srgbClr val="000000"/>
                 </a:solidFill>
                 <a:latin typeface="Calibri"/>
               </a:rPr>
-              <a:t>Hosting &amp; External Sources I Sven Rasmusen - </a:t>
-            </a:r>
-            <a:r>
-              <a:rPr lang="de-DE" sz="1000" b="0" strike="noStrike" spc="-1">
-                <a:solidFill>
-                  <a:srgbClr val="2E3338"/>
-                </a:solidFill>
-                <a:latin typeface="Whitney"/>
-              </a:rPr>
-              <a:t>Marko Zaric – Manuel Penz </a:t>
-            </a:r>
-            <a:r>
-              <a:rPr lang="de-DE" sz="1000" b="0" strike="noStrike" spc="-1">
+              <a:t>Hosting &amp; External Sources I </a:t>
+            </a:r>
+            <a:r>
+              <a:rPr lang="de-DE" sz="1000" dirty="0">
+                <a:latin typeface="Calibri Light" panose="020F0302020204030204" pitchFamily="34" charset="0"/>
+                <a:cs typeface="Calibri Light" panose="020F0302020204030204" pitchFamily="34" charset="0"/>
+              </a:rPr>
+              <a:t>Penz Manuel – </a:t>
+            </a:r>
+            <a:r>
+              <a:rPr lang="de-DE" sz="1000" spc="-1" dirty="0" err="1">
+                <a:latin typeface="Calibri Light" panose="020F0302020204030204" pitchFamily="34" charset="0"/>
+                <a:cs typeface="Calibri Light" panose="020F0302020204030204" pitchFamily="34" charset="0"/>
+              </a:rPr>
+              <a:t>Rasmusen</a:t>
+            </a:r>
+            <a:r>
+              <a:rPr lang="de-DE" sz="1000" spc="-1" dirty="0">
+                <a:latin typeface="Calibri Light" panose="020F0302020204030204" pitchFamily="34" charset="0"/>
+                <a:cs typeface="Calibri Light" panose="020F0302020204030204" pitchFamily="34" charset="0"/>
+              </a:rPr>
+              <a:t> Sven – </a:t>
+            </a:r>
+            <a:r>
+              <a:rPr lang="de-DE" sz="1000" spc="-1" dirty="0" err="1">
+                <a:latin typeface="Calibri Light" panose="020F0302020204030204" pitchFamily="34" charset="0"/>
+                <a:cs typeface="Calibri Light" panose="020F0302020204030204" pitchFamily="34" charset="0"/>
+              </a:rPr>
+              <a:t>Zaric</a:t>
+            </a:r>
+            <a:r>
+              <a:rPr lang="de-DE" sz="1000" spc="-1" dirty="0">
+                <a:latin typeface="Calibri Light" panose="020F0302020204030204" pitchFamily="34" charset="0"/>
+                <a:cs typeface="Calibri Light" panose="020F0302020204030204" pitchFamily="34" charset="0"/>
+              </a:rPr>
+              <a:t> </a:t>
+            </a:r>
+            <a:r>
+              <a:rPr lang="de-DE" sz="1000" dirty="0">
+                <a:latin typeface="Calibri Light" panose="020F0302020204030204" pitchFamily="34" charset="0"/>
+                <a:cs typeface="Calibri Light" panose="020F0302020204030204" pitchFamily="34" charset="0"/>
+              </a:rPr>
+              <a:t>Marko</a:t>
+            </a:r>
+            <a:r>
+              <a:rPr lang="de-DE" dirty="0">
+                <a:solidFill>
+                  <a:schemeClr val="tx1"/>
+                </a:solidFill>
+                <a:latin typeface="Calibri" panose="020F0502020204030204" pitchFamily="34" charset="0"/>
+                <a:cs typeface="Calibri" panose="020F0502020204030204" pitchFamily="34" charset="0"/>
+              </a:rPr>
+              <a:t> </a:t>
+            </a:r>
+            <a:r>
+              <a:rPr lang="de-DE" sz="1000" b="0" strike="noStrike" spc="-1" dirty="0">
                 <a:solidFill>
                   <a:srgbClr val="000000"/>
                 </a:solidFill>
@@ -11691,7 +12068,7 @@
               </a:rPr>
               <a:t>I 30.04.2022</a:t>
             </a:r>
-            <a:endParaRPr lang="en-US" sz="1000" b="0" strike="noStrike" spc="-1">
+            <a:endParaRPr lang="en-US" sz="1000" b="0" strike="noStrike" spc="-1" dirty="0">
               <a:latin typeface="Times New Roman"/>
             </a:endParaRPr>
           </a:p>
@@ -11740,15 +12117,15 @@
               <a:buChar char="»"/>
             </a:pPr>
             <a:r>
-              <a:rPr lang="de-DE" sz="2000" b="0" strike="noStrike" spc="-1">
+              <a:rPr lang="de-DE" sz="2000" b="0" strike="noStrike" spc="-1" dirty="0">
                 <a:solidFill>
                   <a:srgbClr val="343433"/>
                 </a:solidFill>
                 <a:latin typeface="Calibri"/>
               </a:rPr>
-              <a:t>Predicates:</a:t>
-            </a:r>
-            <a:endParaRPr lang="de-DE" sz="2000" b="0" strike="noStrike" spc="-1">
+              <a:t>Properties:</a:t>
+            </a:r>
+            <a:endParaRPr lang="de-DE" sz="2000" b="0" strike="noStrike" spc="-1" dirty="0">
               <a:solidFill>
                 <a:srgbClr val="000000"/>
               </a:solidFill>
@@ -11770,14 +12147,29 @@
               <a:buChar char="•"/>
             </a:pPr>
             <a:r>
-              <a:rPr lang="de-DE" sz="1600" b="0" strike="noStrike" spc="-1">
+              <a:rPr lang="de-DE" sz="1600" spc="-1" dirty="0" err="1">
                 <a:solidFill>
                   <a:srgbClr val="000000"/>
                 </a:solidFill>
                 <a:latin typeface="Calibri"/>
               </a:rPr>
-              <a:t>Address</a:t>
-            </a:r>
+              <a:t>a</a:t>
+            </a:r>
+            <a:r>
+              <a:rPr lang="de-DE" sz="1600" b="0" strike="noStrike" spc="-1" dirty="0" err="1">
+                <a:solidFill>
+                  <a:srgbClr val="000000"/>
+                </a:solidFill>
+                <a:latin typeface="Calibri"/>
+              </a:rPr>
+              <a:t>ddress</a:t>
+            </a:r>
+            <a:endParaRPr lang="de-DE" sz="1600" b="0" strike="noStrike" spc="-1" dirty="0">
+              <a:solidFill>
+                <a:srgbClr val="000000"/>
+              </a:solidFill>
+              <a:latin typeface="Calibri"/>
+            </a:endParaRPr>
           </a:p>
           <a:p>
             <a:pPr marL="685800" lvl="1" indent="-228600">
@@ -11794,14 +12186,29 @@
               <a:buChar char="•"/>
             </a:pPr>
             <a:r>
-              <a:rPr lang="de-DE" sz="1600" b="0" strike="noStrike" spc="-1">
+              <a:rPr lang="de-DE" sz="1600" spc="-1" dirty="0" err="1">
                 <a:solidFill>
                   <a:srgbClr val="000000"/>
                 </a:solidFill>
                 <a:latin typeface="Calibri"/>
               </a:rPr>
-              <a:t>Description</a:t>
-            </a:r>
+              <a:t>d</a:t>
+            </a:r>
+            <a:r>
+              <a:rPr lang="de-DE" sz="1600" b="0" strike="noStrike" spc="-1" dirty="0" err="1">
+                <a:solidFill>
+                  <a:srgbClr val="000000"/>
+                </a:solidFill>
+                <a:latin typeface="Calibri"/>
+              </a:rPr>
+              <a:t>escription</a:t>
+            </a:r>
+            <a:endParaRPr lang="de-DE" sz="1600" b="0" strike="noStrike" spc="-1" dirty="0">
+              <a:solidFill>
+                <a:srgbClr val="000000"/>
+              </a:solidFill>
+              <a:latin typeface="Calibri"/>
+            </a:endParaRPr>
           </a:p>
           <a:p>
             <a:pPr marL="685800" lvl="1" indent="-228600">
@@ -11818,14 +12225,29 @@
               <a:buChar char="•"/>
             </a:pPr>
             <a:r>
-              <a:rPr lang="de-DE" sz="1600" b="0" strike="noStrike" spc="-1">
+              <a:rPr lang="de-DE" sz="1600" spc="-1" dirty="0" err="1">
                 <a:solidFill>
                   <a:srgbClr val="000000"/>
                 </a:solidFill>
                 <a:latin typeface="Calibri"/>
               </a:rPr>
-              <a:t>Geo</a:t>
-            </a:r>
+              <a:t>g</a:t>
+            </a:r>
+            <a:r>
+              <a:rPr lang="de-DE" sz="1600" b="0" strike="noStrike" spc="-1" dirty="0" err="1">
+                <a:solidFill>
+                  <a:srgbClr val="000000"/>
+                </a:solidFill>
+                <a:latin typeface="Calibri"/>
+              </a:rPr>
+              <a:t>eo</a:t>
+            </a:r>
+            <a:endParaRPr lang="de-DE" sz="1600" b="0" strike="noStrike" spc="-1" dirty="0">
+              <a:solidFill>
+                <a:srgbClr val="000000"/>
+              </a:solidFill>
+              <a:latin typeface="Calibri"/>
+            </a:endParaRPr>
           </a:p>
           <a:p>
             <a:pPr marL="685800" lvl="1" indent="-228600">
@@ -11842,14 +12264,29 @@
               <a:buChar char="•"/>
             </a:pPr>
             <a:r>
-              <a:rPr lang="de-DE" sz="1600" b="0" strike="noStrike" spc="-1">
+              <a:rPr lang="de-DE" sz="1600" spc="-1" dirty="0" err="1">
                 <a:solidFill>
                   <a:srgbClr val="000000"/>
                 </a:solidFill>
                 <a:latin typeface="Calibri"/>
               </a:rPr>
-              <a:t>Image</a:t>
-            </a:r>
+              <a:t>i</a:t>
+            </a:r>
+            <a:r>
+              <a:rPr lang="de-DE" sz="1600" b="0" strike="noStrike" spc="-1" dirty="0" err="1">
+                <a:solidFill>
+                  <a:srgbClr val="000000"/>
+                </a:solidFill>
+                <a:latin typeface="Calibri"/>
+              </a:rPr>
+              <a:t>mage</a:t>
+            </a:r>
+            <a:endParaRPr lang="de-DE" sz="1600" b="0" strike="noStrike" spc="-1" dirty="0">
+              <a:solidFill>
+                <a:srgbClr val="000000"/>
+              </a:solidFill>
+              <a:latin typeface="Calibri"/>
+            </a:endParaRPr>
           </a:p>
           <a:p>
             <a:pPr marL="685800" lvl="1" indent="-228600">
@@ -11866,7 +12303,7 @@
               <a:buChar char="•"/>
             </a:pPr>
             <a:r>
-              <a:rPr lang="de-DE" sz="1600" b="0" strike="noStrike" spc="-1">
+              <a:rPr lang="de-DE" sz="1600" b="0" strike="noStrike" spc="-1" dirty="0" err="1">
                 <a:solidFill>
                   <a:srgbClr val="000000"/>
                 </a:solidFill>
@@ -11874,6 +12311,12 @@
               </a:rPr>
               <a:t>IsAccessibleForFree</a:t>
             </a:r>
+            <a:endParaRPr lang="de-DE" sz="1600" b="0" strike="noStrike" spc="-1" dirty="0">
+              <a:solidFill>
+                <a:srgbClr val="000000"/>
+              </a:solidFill>
+              <a:latin typeface="Calibri"/>
+            </a:endParaRPr>
           </a:p>
           <a:p>
             <a:pPr marL="685800" lvl="1" indent="-228600">
@@ -11890,14 +12333,20 @@
               <a:buChar char="•"/>
             </a:pPr>
             <a:r>
-              <a:rPr lang="de-DE" sz="1600" b="0" strike="noStrike" spc="-1">
+              <a:rPr lang="de-DE" sz="1600" b="0" strike="noStrike" spc="-1" dirty="0" err="1">
                 <a:solidFill>
                   <a:srgbClr val="000000"/>
                 </a:solidFill>
                 <a:latin typeface="Calibri"/>
               </a:rPr>
-              <a:t>Name</a:t>
-            </a:r>
+              <a:t>name</a:t>
+            </a:r>
+            <a:endParaRPr lang="de-DE" sz="1600" b="0" strike="noStrike" spc="-1" dirty="0">
+              <a:solidFill>
+                <a:srgbClr val="000000"/>
+              </a:solidFill>
+              <a:latin typeface="Calibri"/>
+            </a:endParaRPr>
           </a:p>
           <a:p>
             <a:pPr marL="685800" lvl="1" indent="-228600">
@@ -11914,7 +12363,7 @@
               <a:buChar char="•"/>
             </a:pPr>
             <a:r>
-              <a:rPr lang="de-DE" sz="1600" b="0" strike="noStrike" spc="-1">
+              <a:rPr lang="de-DE" sz="1600" b="0" strike="noStrike" spc="-1" dirty="0" err="1">
                 <a:solidFill>
                   <a:srgbClr val="000000"/>
                 </a:solidFill>
@@ -11922,6 +12371,12 @@
               </a:rPr>
               <a:t>sameAs</a:t>
             </a:r>
+            <a:endParaRPr lang="de-DE" sz="1600" b="0" strike="noStrike" spc="-1" dirty="0">
+              <a:solidFill>
+                <a:srgbClr val="000000"/>
+              </a:solidFill>
+              <a:latin typeface="Calibri"/>
+            </a:endParaRPr>
           </a:p>
           <a:p>
             <a:pPr marL="685800" lvl="1" indent="-228600">
@@ -11938,14 +12393,29 @@
               <a:buChar char="•"/>
             </a:pPr>
             <a:r>
-              <a:rPr lang="de-DE" sz="1600" b="0" strike="noStrike" spc="-1">
+              <a:rPr lang="de-DE" sz="1600" spc="-1" dirty="0" err="1">
                 <a:solidFill>
                   <a:srgbClr val="000000"/>
                 </a:solidFill>
                 <a:latin typeface="Calibri"/>
               </a:rPr>
-              <a:t>Telephone</a:t>
-            </a:r>
+              <a:t>t</a:t>
+            </a:r>
+            <a:r>
+              <a:rPr lang="de-DE" sz="1600" b="0" strike="noStrike" spc="-1" dirty="0" err="1">
+                <a:solidFill>
+                  <a:srgbClr val="000000"/>
+                </a:solidFill>
+                <a:latin typeface="Calibri"/>
+              </a:rPr>
+              <a:t>elephone</a:t>
+            </a:r>
+            <a:endParaRPr lang="de-DE" sz="1600" b="0" strike="noStrike" spc="-1" dirty="0">
+              <a:solidFill>
+                <a:srgbClr val="000000"/>
+              </a:solidFill>
+              <a:latin typeface="Calibri"/>
+            </a:endParaRPr>
           </a:p>
           <a:p>
             <a:pPr marL="685800" lvl="1" indent="-228600">
@@ -11962,7 +12432,7 @@
               <a:buChar char="•"/>
             </a:pPr>
             <a:r>
-              <a:rPr lang="de-DE" sz="1600" b="0" strike="noStrike" spc="-1">
+              <a:rPr lang="de-DE" sz="1600" b="0" strike="noStrike" spc="-1" dirty="0" err="1">
                 <a:solidFill>
                   <a:srgbClr val="000000"/>
                 </a:solidFill>
@@ -11970,9 +12440,11 @@
               </a:rPr>
               <a:t>compliesWith</a:t>
             </a:r>
-            <a:br/>
-            <a:r>
-              <a:rPr lang="de-DE" sz="2000" b="0" strike="noStrike" spc="-1">
+            <a:br>
+              <a:rPr dirty="0"/>
+            </a:br>
+            <a:r>
+              <a:rPr lang="de-DE" sz="2000" b="0" strike="noStrike" spc="-1" dirty="0">
                 <a:solidFill>
                   <a:srgbClr val="000000"/>
                 </a:solidFill>
@@ -11996,15 +12468,24 @@
               <a:buChar char="»"/>
             </a:pPr>
             <a:r>
-              <a:rPr lang="de-DE" sz="2000" b="0" strike="noStrike" spc="-1">
+              <a:rPr lang="de-DE" sz="2000" b="0" strike="noStrike" spc="-1" dirty="0" err="1">
                 <a:solidFill>
                   <a:srgbClr val="343433"/>
                 </a:solidFill>
                 <a:latin typeface="Calibri"/>
               </a:rPr>
-              <a:t>Missing Predicates:</a:t>
-            </a:r>
-            <a:endParaRPr lang="de-DE" sz="2000" b="0" strike="noStrike" spc="-1">
+              <a:t>Missing</a:t>
+            </a:r>
+            <a:r>
+              <a:rPr lang="de-DE" sz="2000" b="0" strike="noStrike" spc="-1" dirty="0">
+                <a:solidFill>
+                  <a:srgbClr val="343433"/>
+                </a:solidFill>
+                <a:latin typeface="Calibri"/>
+              </a:rPr>
+              <a:t> Properties:</a:t>
+            </a:r>
+            <a:endParaRPr lang="de-DE" sz="2000" b="0" strike="noStrike" spc="-1" dirty="0">
               <a:solidFill>
                 <a:srgbClr val="000000"/>
               </a:solidFill>
@@ -12026,14 +12507,29 @@
               <a:buChar char="•"/>
             </a:pPr>
             <a:r>
-              <a:rPr lang="de-DE" sz="1600" b="0" strike="noStrike" spc="-1">
+              <a:rPr lang="de-DE" sz="1600" spc="-1" dirty="0" err="1">
                 <a:solidFill>
                   <a:srgbClr val="000000"/>
                 </a:solidFill>
                 <a:latin typeface="Calibri"/>
               </a:rPr>
-              <a:t>Rating</a:t>
-            </a:r>
+              <a:t>r</a:t>
+            </a:r>
+            <a:r>
+              <a:rPr lang="de-DE" sz="1600" b="0" strike="noStrike" spc="-1" dirty="0" err="1">
+                <a:solidFill>
+                  <a:srgbClr val="000000"/>
+                </a:solidFill>
+                <a:latin typeface="Calibri"/>
+              </a:rPr>
+              <a:t>ating</a:t>
+            </a:r>
+            <a:endParaRPr lang="de-DE" sz="1600" b="0" strike="noStrike" spc="-1" dirty="0">
+              <a:solidFill>
+                <a:srgbClr val="000000"/>
+              </a:solidFill>
+              <a:latin typeface="Calibri"/>
+            </a:endParaRPr>
           </a:p>
           <a:p>
             <a:pPr marL="685800" lvl="1" indent="-228600">
@@ -12050,14 +12546,29 @@
               <a:buChar char="•"/>
             </a:pPr>
             <a:r>
-              <a:rPr lang="de-DE" sz="1600" b="0" strike="noStrike" spc="-1">
+              <a:rPr lang="de-DE" sz="1600" spc="-1" dirty="0" err="1">
                 <a:solidFill>
                   <a:srgbClr val="000000"/>
                 </a:solidFill>
                 <a:latin typeface="Calibri"/>
               </a:rPr>
-              <a:t>Reviews</a:t>
-            </a:r>
+              <a:t>r</a:t>
+            </a:r>
+            <a:r>
+              <a:rPr lang="de-DE" sz="1600" b="0" strike="noStrike" spc="-1" dirty="0" err="1">
+                <a:solidFill>
+                  <a:srgbClr val="000000"/>
+                </a:solidFill>
+                <a:latin typeface="Calibri"/>
+              </a:rPr>
+              <a:t>eviews</a:t>
+            </a:r>
+            <a:endParaRPr lang="de-DE" sz="1600" b="0" strike="noStrike" spc="-1" dirty="0">
+              <a:solidFill>
+                <a:srgbClr val="000000"/>
+              </a:solidFill>
+              <a:latin typeface="Calibri"/>
+            </a:endParaRPr>
           </a:p>
         </p:txBody>
       </p:sp>
@@ -12283,25 +12794,68 @@
               <a:buNone/>
             </a:pPr>
             <a:r>
-              <a:rPr lang="de-DE" sz="1000" b="0" strike="noStrike" spc="-1">
+              <a:rPr lang="de-DE" sz="1000" b="0" strike="noStrike" spc="-1" dirty="0">
                 <a:solidFill>
                   <a:srgbClr val="000000"/>
                 </a:solidFill>
                 <a:latin typeface="Calibri"/>
               </a:rPr>
-              <a:t>Hosting &amp; External Sources I Sven Rasmusen - </a:t>
-            </a:r>
-            <a:r>
-              <a:rPr lang="de-DE" sz="1000" b="0" strike="noStrike" spc="-1">
-                <a:solidFill>
-                  <a:srgbClr val="2E3338"/>
-                </a:solidFill>
-                <a:latin typeface="Whitney"/>
-              </a:rPr>
-              <a:t>Marko Zaric – Manuel Penz </a:t>
-            </a:r>
-            <a:r>
-              <a:rPr lang="de-DE" sz="1000" b="0" strike="noStrike" spc="-1">
+              <a:t>Hosting &amp; External Sources I </a:t>
+            </a:r>
+            <a:r>
+              <a:rPr lang="de-DE" sz="1000" dirty="0">
+                <a:latin typeface="Calibri Light" panose="020F0302020204030204" pitchFamily="34" charset="0"/>
+                <a:cs typeface="Calibri Light" panose="020F0302020204030204" pitchFamily="34" charset="0"/>
+              </a:rPr>
+              <a:t>Penz Manuel – </a:t>
+            </a:r>
+            <a:r>
+              <a:rPr lang="de-DE" sz="1000" spc="-1" dirty="0" err="1">
+                <a:latin typeface="Calibri Light" panose="020F0302020204030204" pitchFamily="34" charset="0"/>
+                <a:cs typeface="Calibri Light" panose="020F0302020204030204" pitchFamily="34" charset="0"/>
+              </a:rPr>
+              <a:t>Rasmusen</a:t>
+            </a:r>
+            <a:r>
+              <a:rPr lang="de-DE" sz="1000" spc="-1" dirty="0">
+                <a:latin typeface="Calibri Light" panose="020F0302020204030204" pitchFamily="34" charset="0"/>
+                <a:cs typeface="Calibri Light" panose="020F0302020204030204" pitchFamily="34" charset="0"/>
+              </a:rPr>
+              <a:t> Sven – </a:t>
+            </a:r>
+            <a:r>
+              <a:rPr lang="de-DE" sz="1000" spc="-1" dirty="0" err="1">
+                <a:latin typeface="Calibri Light" panose="020F0302020204030204" pitchFamily="34" charset="0"/>
+                <a:cs typeface="Calibri Light" panose="020F0302020204030204" pitchFamily="34" charset="0"/>
+              </a:rPr>
+              <a:t>Zaric</a:t>
+            </a:r>
+            <a:r>
+              <a:rPr lang="de-DE" sz="1000" spc="-1" dirty="0">
+                <a:latin typeface="Calibri Light" panose="020F0302020204030204" pitchFamily="34" charset="0"/>
+                <a:cs typeface="Calibri Light" panose="020F0302020204030204" pitchFamily="34" charset="0"/>
+              </a:rPr>
+              <a:t> </a:t>
+            </a:r>
+            <a:r>
+              <a:rPr lang="de-DE" sz="1000" dirty="0">
+                <a:latin typeface="Calibri Light" panose="020F0302020204030204" pitchFamily="34" charset="0"/>
+                <a:cs typeface="Calibri Light" panose="020F0302020204030204" pitchFamily="34" charset="0"/>
+              </a:rPr>
+              <a:t>Marko</a:t>
+            </a:r>
+            <a:r>
+              <a:rPr lang="de-DE" sz="1000" b="0" strike="noStrike" spc="-1" dirty="0">
+                <a:solidFill>
+                  <a:schemeClr val="tx1"/>
+                </a:solidFill>
+                <a:latin typeface="Calibri Light" panose="020F0302020204030204" pitchFamily="34" charset="0"/>
+                <a:cs typeface="Calibri Light" panose="020F0302020204030204" pitchFamily="34" charset="0"/>
+              </a:rPr>
+              <a:t> </a:t>
+            </a:r>
+            <a:r>
+              <a:rPr lang="de-DE" sz="1000" b="0" strike="noStrike" spc="-1" dirty="0">
                 <a:solidFill>
                   <a:srgbClr val="000000"/>
                 </a:solidFill>
@@ -12309,7 +12863,7 @@
               </a:rPr>
               <a:t>I 30.04.2022</a:t>
             </a:r>
-            <a:endParaRPr lang="en-US" sz="1000" b="0" strike="noStrike" spc="-1">
+            <a:endParaRPr lang="en-US" sz="1000" b="0" strike="noStrike" spc="-1" dirty="0">
               <a:latin typeface="Times New Roman"/>
             </a:endParaRPr>
           </a:p>
@@ -13025,25 +13579,68 @@
               <a:buNone/>
             </a:pPr>
             <a:r>
-              <a:rPr lang="de-DE" sz="1000" b="0" strike="noStrike" spc="-1">
+              <a:rPr lang="de-DE" sz="1000" b="0" strike="noStrike" spc="-1" dirty="0">
                 <a:solidFill>
                   <a:srgbClr val="000000"/>
                 </a:solidFill>
                 <a:latin typeface="Calibri"/>
               </a:rPr>
-              <a:t>Hosting &amp; External Sources I Sven Rasmusen - </a:t>
-            </a:r>
-            <a:r>
-              <a:rPr lang="de-DE" sz="1000" b="0" strike="noStrike" spc="-1">
-                <a:solidFill>
-                  <a:srgbClr val="2E3338"/>
-                </a:solidFill>
-                <a:latin typeface="Whitney"/>
-              </a:rPr>
-              <a:t>Marko Zaric – Manuel Penz </a:t>
-            </a:r>
-            <a:r>
-              <a:rPr lang="de-DE" sz="1000" b="0" strike="noStrike" spc="-1">
+              <a:t>Hosting &amp; External Sources I </a:t>
+            </a:r>
+            <a:r>
+              <a:rPr lang="de-DE" sz="1000" dirty="0">
+                <a:latin typeface="Calibri Light" panose="020F0302020204030204" pitchFamily="34" charset="0"/>
+                <a:cs typeface="Calibri Light" panose="020F0302020204030204" pitchFamily="34" charset="0"/>
+              </a:rPr>
+              <a:t>Penz Manuel – </a:t>
+            </a:r>
+            <a:r>
+              <a:rPr lang="de-DE" sz="1000" spc="-1" dirty="0" err="1">
+                <a:latin typeface="Calibri Light" panose="020F0302020204030204" pitchFamily="34" charset="0"/>
+                <a:cs typeface="Calibri Light" panose="020F0302020204030204" pitchFamily="34" charset="0"/>
+              </a:rPr>
+              <a:t>Rasmusen</a:t>
+            </a:r>
+            <a:r>
+              <a:rPr lang="de-DE" sz="1000" spc="-1" dirty="0">
+                <a:latin typeface="Calibri Light" panose="020F0302020204030204" pitchFamily="34" charset="0"/>
+                <a:cs typeface="Calibri Light" panose="020F0302020204030204" pitchFamily="34" charset="0"/>
+              </a:rPr>
+              <a:t> Sven – </a:t>
+            </a:r>
+            <a:r>
+              <a:rPr lang="de-DE" sz="1000" spc="-1" dirty="0" err="1">
+                <a:latin typeface="Calibri Light" panose="020F0302020204030204" pitchFamily="34" charset="0"/>
+                <a:cs typeface="Calibri Light" panose="020F0302020204030204" pitchFamily="34" charset="0"/>
+              </a:rPr>
+              <a:t>Zaric</a:t>
+            </a:r>
+            <a:r>
+              <a:rPr lang="de-DE" sz="1000" spc="-1" dirty="0">
+                <a:latin typeface="Calibri Light" panose="020F0302020204030204" pitchFamily="34" charset="0"/>
+                <a:cs typeface="Calibri Light" panose="020F0302020204030204" pitchFamily="34" charset="0"/>
+              </a:rPr>
+              <a:t> </a:t>
+            </a:r>
+            <a:r>
+              <a:rPr lang="de-DE" sz="1000" dirty="0">
+                <a:latin typeface="Calibri Light" panose="020F0302020204030204" pitchFamily="34" charset="0"/>
+                <a:cs typeface="Calibri Light" panose="020F0302020204030204" pitchFamily="34" charset="0"/>
+              </a:rPr>
+              <a:t>Marko</a:t>
+            </a:r>
+            <a:r>
+              <a:rPr lang="de-DE" sz="1000" b="0" strike="noStrike" spc="-1" dirty="0">
+                <a:solidFill>
+                  <a:schemeClr val="tx1"/>
+                </a:solidFill>
+                <a:latin typeface="Calibri Light" panose="020F0302020204030204" pitchFamily="34" charset="0"/>
+                <a:cs typeface="Calibri Light" panose="020F0302020204030204" pitchFamily="34" charset="0"/>
+              </a:rPr>
+              <a:t> </a:t>
+            </a:r>
+            <a:r>
+              <a:rPr lang="de-DE" sz="1000" b="0" strike="noStrike" spc="-1" dirty="0">
                 <a:solidFill>
                   <a:srgbClr val="000000"/>
                 </a:solidFill>
@@ -13051,7 +13648,7 @@
               </a:rPr>
               <a:t>I 30.04.2022</a:t>
             </a:r>
-            <a:endParaRPr lang="en-US" sz="1000" b="0" strike="noStrike" spc="-1">
+            <a:endParaRPr lang="en-US" sz="1000" b="0" strike="noStrike" spc="-1" dirty="0">
               <a:latin typeface="Times New Roman"/>
             </a:endParaRPr>
           </a:p>
@@ -13439,6 +14036,681 @@
 </file>
 
 <file path=ppt/slides/slide8.xml><?xml version="1.0" encoding="utf-8"?>
+<p:sld xmlns:a="http://schemas.openxmlformats.org/drawingml/2006/main" xmlns:r="http://schemas.openxmlformats.org/officeDocument/2006/relationships" xmlns:p="http://schemas.openxmlformats.org/presentationml/2006/main">
+  <p:cSld>
+    <p:spTree>
+      <p:nvGrpSpPr>
+        <p:cNvPr id="1" name=""/>
+        <p:cNvGrpSpPr/>
+        <p:nvPr/>
+      </p:nvGrpSpPr>
+      <p:grpSpPr>
+        <a:xfrm>
+          <a:off x="0" y="0"/>
+          <a:ext cx="0" cy="0"/>
+          <a:chOff x="0" y="0"/>
+          <a:chExt cx="0" cy="0"/>
+        </a:xfrm>
+      </p:grpSpPr>
+      <p:sp>
+        <p:nvSpPr>
+          <p:cNvPr id="278" name="PlaceHolder 1"/>
+          <p:cNvSpPr>
+            <a:spLocks noGrp="1"/>
+          </p:cNvSpPr>
+          <p:nvPr>
+            <p:ph type="title"/>
+          </p:nvPr>
+        </p:nvSpPr>
+        <p:spPr>
+          <a:xfrm>
+            <a:off x="816480" y="581040"/>
+            <a:ext cx="10515240" cy="471240"/>
+          </a:xfrm>
+          <a:prstGeom prst="rect">
+            <a:avLst/>
+          </a:prstGeom>
+          <a:noFill/>
+          <a:ln w="0">
+            <a:noFill/>
+          </a:ln>
+        </p:spPr>
+        <p:txBody>
+          <a:bodyPr lIns="90000" tIns="45000" rIns="90000" bIns="45000" anchor="t">
+            <a:noAutofit/>
+          </a:bodyPr>
+          <a:lstStyle/>
+          <a:p>
+            <a:pPr>
+              <a:lnSpc>
+                <a:spcPct val="90000"/>
+              </a:lnSpc>
+              <a:buNone/>
+            </a:pPr>
+            <a:r>
+              <a:rPr lang="de-DE" sz="3000" b="0" strike="noStrike" spc="-1" dirty="0">
+                <a:solidFill>
+                  <a:srgbClr val="000000"/>
+                </a:solidFill>
+                <a:latin typeface="Calibri Light"/>
+              </a:rPr>
+              <a:t>External Sources</a:t>
+            </a:r>
+            <a:endParaRPr lang="de-DE" sz="3000" b="0" strike="noStrike" spc="-1" dirty="0">
+              <a:solidFill>
+                <a:srgbClr val="000000"/>
+              </a:solidFill>
+              <a:latin typeface="Calibri"/>
+            </a:endParaRPr>
+          </a:p>
+        </p:txBody>
+      </p:sp>
+      <p:sp>
+        <p:nvSpPr>
+          <p:cNvPr id="279" name="PlaceHolder 2"/>
+          <p:cNvSpPr>
+            <a:spLocks noGrp="1"/>
+          </p:cNvSpPr>
+          <p:nvPr>
+            <p:ph type="sldNum" idx="22"/>
+          </p:nvPr>
+        </p:nvSpPr>
+        <p:spPr>
+          <a:xfrm>
+            <a:off x="8610480" y="6356520"/>
+            <a:ext cx="2742840" cy="364680"/>
+          </a:xfrm>
+          <a:prstGeom prst="rect">
+            <a:avLst/>
+          </a:prstGeom>
+          <a:noFill/>
+          <a:ln w="0">
+            <a:noFill/>
+          </a:ln>
+        </p:spPr>
+        <p:txBody>
+          <a:bodyPr anchor="ctr">
+            <a:noAutofit/>
+          </a:bodyPr>
+          <a:lstStyle>
+            <a:lvl1pPr algn="r">
+              <a:lnSpc>
+                <a:spcPct val="100000"/>
+              </a:lnSpc>
+              <a:buNone/>
+              <a:defRPr lang="de-DE" sz="1000" b="0" strike="noStrike" spc="-1">
+                <a:solidFill>
+                  <a:srgbClr val="000000"/>
+                </a:solidFill>
+                <a:latin typeface="Calibri"/>
+              </a:defRPr>
+            </a:lvl1pPr>
+          </a:lstStyle>
+          <a:p>
+            <a:pPr algn="r">
+              <a:lnSpc>
+                <a:spcPct val="100000"/>
+              </a:lnSpc>
+              <a:buNone/>
+            </a:pPr>
+            <a:r>
+              <a:rPr lang="de-DE" sz="1000" b="0" strike="noStrike" spc="-1">
+                <a:solidFill>
+                  <a:srgbClr val="000000"/>
+                </a:solidFill>
+                <a:latin typeface="Calibri"/>
+              </a:rPr>
+              <a:t>Page </a:t>
+            </a:r>
+            <a:fld id="{0FE150D6-D649-424E-A04C-E6E4A6386601}" type="slidenum">
+              <a:rPr lang="de-DE" sz="1000" b="0" strike="noStrike" spc="-1">
+                <a:solidFill>
+                  <a:srgbClr val="000000"/>
+                </a:solidFill>
+                <a:latin typeface="Calibri"/>
+              </a:rPr>
+              <a:t>8</a:t>
+            </a:fld>
+            <a:endParaRPr lang="en-US" sz="1000" b="0" strike="noStrike" spc="-1">
+              <a:latin typeface="Times New Roman"/>
+            </a:endParaRPr>
+          </a:p>
+        </p:txBody>
+      </p:sp>
+      <p:sp>
+        <p:nvSpPr>
+          <p:cNvPr id="280" name="PlaceHolder 3"/>
+          <p:cNvSpPr>
+            <a:spLocks noGrp="1"/>
+          </p:cNvSpPr>
+          <p:nvPr>
+            <p:ph type="ftr" idx="23"/>
+          </p:nvPr>
+        </p:nvSpPr>
+        <p:spPr>
+          <a:xfrm>
+            <a:off x="3399120" y="6356520"/>
+            <a:ext cx="4818600" cy="364680"/>
+          </a:xfrm>
+          <a:prstGeom prst="rect">
+            <a:avLst/>
+          </a:prstGeom>
+          <a:noFill/>
+          <a:ln w="0">
+            <a:noFill/>
+          </a:ln>
+        </p:spPr>
+        <p:txBody>
+          <a:bodyPr anchor="ctr">
+            <a:noAutofit/>
+          </a:bodyPr>
+          <a:lstStyle>
+            <a:lvl1pPr algn="ctr">
+              <a:lnSpc>
+                <a:spcPct val="100000"/>
+              </a:lnSpc>
+              <a:buNone/>
+              <a:defRPr lang="de-DE" sz="1000" b="0" strike="noStrike" spc="-1">
+                <a:solidFill>
+                  <a:srgbClr val="000000"/>
+                </a:solidFill>
+                <a:latin typeface="Calibri"/>
+              </a:defRPr>
+            </a:lvl1pPr>
+          </a:lstStyle>
+          <a:p>
+            <a:pPr algn="ctr">
+              <a:lnSpc>
+                <a:spcPct val="100000"/>
+              </a:lnSpc>
+              <a:buNone/>
+            </a:pPr>
+            <a:r>
+              <a:rPr lang="de-DE" sz="1000" b="0" strike="noStrike" spc="-1" dirty="0">
+                <a:solidFill>
+                  <a:srgbClr val="000000"/>
+                </a:solidFill>
+                <a:latin typeface="Calibri"/>
+              </a:rPr>
+              <a:t>Hosting &amp; External Sources I </a:t>
+            </a:r>
+            <a:r>
+              <a:rPr lang="de-DE" sz="1000" dirty="0">
+                <a:latin typeface="Calibri Light" panose="020F0302020204030204" pitchFamily="34" charset="0"/>
+                <a:cs typeface="Calibri Light" panose="020F0302020204030204" pitchFamily="34" charset="0"/>
+              </a:rPr>
+              <a:t>Penz Manuel – </a:t>
+            </a:r>
+            <a:r>
+              <a:rPr lang="de-DE" sz="1000" spc="-1" dirty="0" err="1">
+                <a:latin typeface="Calibri Light" panose="020F0302020204030204" pitchFamily="34" charset="0"/>
+                <a:cs typeface="Calibri Light" panose="020F0302020204030204" pitchFamily="34" charset="0"/>
+              </a:rPr>
+              <a:t>Rasmusen</a:t>
+            </a:r>
+            <a:r>
+              <a:rPr lang="de-DE" sz="1000" spc="-1" dirty="0">
+                <a:latin typeface="Calibri Light" panose="020F0302020204030204" pitchFamily="34" charset="0"/>
+                <a:cs typeface="Calibri Light" panose="020F0302020204030204" pitchFamily="34" charset="0"/>
+              </a:rPr>
+              <a:t> Sven – </a:t>
+            </a:r>
+            <a:r>
+              <a:rPr lang="de-DE" sz="1000" spc="-1" dirty="0" err="1">
+                <a:latin typeface="Calibri Light" panose="020F0302020204030204" pitchFamily="34" charset="0"/>
+                <a:cs typeface="Calibri Light" panose="020F0302020204030204" pitchFamily="34" charset="0"/>
+              </a:rPr>
+              <a:t>Zaric</a:t>
+            </a:r>
+            <a:r>
+              <a:rPr lang="de-DE" sz="1000" spc="-1" dirty="0">
+                <a:latin typeface="Calibri Light" panose="020F0302020204030204" pitchFamily="34" charset="0"/>
+                <a:cs typeface="Calibri Light" panose="020F0302020204030204" pitchFamily="34" charset="0"/>
+              </a:rPr>
+              <a:t> </a:t>
+            </a:r>
+            <a:r>
+              <a:rPr lang="de-DE" sz="1000" dirty="0">
+                <a:latin typeface="Calibri Light" panose="020F0302020204030204" pitchFamily="34" charset="0"/>
+                <a:cs typeface="Calibri Light" panose="020F0302020204030204" pitchFamily="34" charset="0"/>
+              </a:rPr>
+              <a:t>Marko</a:t>
+            </a:r>
+            <a:r>
+              <a:rPr lang="de-DE" sz="1000" b="0" strike="noStrike" spc="-1" dirty="0">
+                <a:solidFill>
+                  <a:schemeClr val="tx1"/>
+                </a:solidFill>
+                <a:latin typeface="Calibri Light" panose="020F0302020204030204" pitchFamily="34" charset="0"/>
+                <a:cs typeface="Calibri Light" panose="020F0302020204030204" pitchFamily="34" charset="0"/>
+              </a:rPr>
+              <a:t> </a:t>
+            </a:r>
+            <a:r>
+              <a:rPr lang="de-DE" sz="1000" b="0" strike="noStrike" spc="-1" dirty="0">
+                <a:solidFill>
+                  <a:srgbClr val="000000"/>
+                </a:solidFill>
+                <a:latin typeface="Calibri"/>
+              </a:rPr>
+              <a:t>I 30.04.2022</a:t>
+            </a:r>
+            <a:endParaRPr lang="en-US" sz="1000" b="0" strike="noStrike" spc="-1" dirty="0">
+              <a:latin typeface="Times New Roman"/>
+            </a:endParaRPr>
+          </a:p>
+        </p:txBody>
+      </p:sp>
+      <p:sp>
+        <p:nvSpPr>
+          <p:cNvPr id="281" name="PlaceHolder 4"/>
+          <p:cNvSpPr>
+            <a:spLocks noGrp="1"/>
+          </p:cNvSpPr>
+          <p:nvPr>
+            <p:ph/>
+          </p:nvPr>
+        </p:nvSpPr>
+        <p:spPr>
+          <a:xfrm>
+            <a:off x="479520" y="1340640"/>
+            <a:ext cx="10874160" cy="4457160"/>
+          </a:xfrm>
+          <a:prstGeom prst="rect">
+            <a:avLst/>
+          </a:prstGeom>
+          <a:noFill/>
+          <a:ln w="0">
+            <a:noFill/>
+          </a:ln>
+        </p:spPr>
+        <p:txBody>
+          <a:bodyPr lIns="90000" tIns="45000" rIns="90000" bIns="45000" anchor="t">
+            <a:noAutofit/>
+          </a:bodyPr>
+          <a:lstStyle/>
+          <a:p>
+            <a:pPr marL="285840" indent="-285840">
+              <a:lnSpc>
+                <a:spcPct val="90000"/>
+              </a:lnSpc>
+              <a:spcBef>
+                <a:spcPts val="1001"/>
+              </a:spcBef>
+              <a:buClr>
+                <a:srgbClr val="343433"/>
+              </a:buClr>
+              <a:buFont typeface=".AppleSystemUIFont"/>
+              <a:buChar char="»"/>
+            </a:pPr>
+            <a:r>
+              <a:rPr lang="de-DE" sz="1600" b="0" u="sng" strike="noStrike" spc="-1" dirty="0">
+                <a:solidFill>
+                  <a:srgbClr val="0563C1"/>
+                </a:solidFill>
+                <a:uFillTx/>
+                <a:latin typeface="Calibri"/>
+                <a:hlinkClick r:id="rId3"/>
+              </a:rPr>
+              <a:t>www.</a:t>
+            </a:r>
+            <a:r>
+              <a:rPr lang="de-DE" sz="1600" b="0" u="sng" strike="noStrike" spc="-1" dirty="0">
+                <a:solidFill>
+                  <a:srgbClr val="0563C1"/>
+                </a:solidFill>
+                <a:uFillTx/>
+                <a:latin typeface="Calibri"/>
+              </a:rPr>
+              <a:t>wikidata.org</a:t>
+            </a:r>
+            <a:endParaRPr lang="de-DE" sz="1600" b="0" strike="noStrike" spc="-1" dirty="0">
+              <a:solidFill>
+                <a:srgbClr val="000000"/>
+              </a:solidFill>
+              <a:latin typeface="Calibri"/>
+            </a:endParaRPr>
+          </a:p>
+          <a:p>
+            <a:pPr marL="685800" lvl="1" indent="-228600">
+              <a:lnSpc>
+                <a:spcPct val="90000"/>
+              </a:lnSpc>
+              <a:spcBef>
+                <a:spcPts val="499"/>
+              </a:spcBef>
+              <a:buClr>
+                <a:srgbClr val="000000"/>
+              </a:buClr>
+              <a:buFont typeface="Arial"/>
+              <a:buChar char="•"/>
+            </a:pPr>
+            <a:r>
+              <a:rPr lang="de-DE" sz="1600" spc="-1" dirty="0">
+                <a:solidFill>
+                  <a:srgbClr val="000000"/>
+                </a:solidFill>
+                <a:latin typeface="Calibri"/>
+              </a:rPr>
+              <a:t>SPARQL Endpoint available!</a:t>
+            </a:r>
+          </a:p>
+          <a:p>
+            <a:pPr marL="685800" lvl="1" indent="-228600">
+              <a:lnSpc>
+                <a:spcPct val="90000"/>
+              </a:lnSpc>
+              <a:spcBef>
+                <a:spcPts val="499"/>
+              </a:spcBef>
+              <a:buClr>
+                <a:srgbClr val="000000"/>
+              </a:buClr>
+              <a:buFont typeface="Arial"/>
+              <a:buChar char="•"/>
+            </a:pPr>
+            <a:r>
+              <a:rPr lang="de-DE" sz="1600" spc="-1" dirty="0">
+                <a:solidFill>
+                  <a:srgbClr val="000000"/>
+                </a:solidFill>
+                <a:latin typeface="Calibri"/>
+              </a:rPr>
+              <a:t>Easy to learn how to query with SPARQL</a:t>
+            </a:r>
+          </a:p>
+          <a:p>
+            <a:pPr marL="457200" lvl="1" indent="0">
+              <a:lnSpc>
+                <a:spcPct val="90000"/>
+              </a:lnSpc>
+              <a:spcBef>
+                <a:spcPts val="499"/>
+              </a:spcBef>
+              <a:buClr>
+                <a:srgbClr val="000000"/>
+              </a:buClr>
+              <a:buNone/>
+            </a:pPr>
+            <a:endParaRPr lang="de-DE" sz="1600" u="sng" spc="-1" dirty="0">
+              <a:solidFill>
+                <a:srgbClr val="000000"/>
+              </a:solidFill>
+              <a:latin typeface="Calibri"/>
+            </a:endParaRPr>
+          </a:p>
+          <a:p>
+            <a:pPr marL="685800" lvl="1" indent="-228600">
+              <a:lnSpc>
+                <a:spcPct val="90000"/>
+              </a:lnSpc>
+              <a:spcBef>
+                <a:spcPts val="499"/>
+              </a:spcBef>
+              <a:buClr>
+                <a:srgbClr val="000000"/>
+              </a:buClr>
+              <a:buFont typeface="Arial"/>
+              <a:buChar char="•"/>
+            </a:pPr>
+            <a:r>
+              <a:rPr lang="de-DE" sz="1600" b="0" u="sng" strike="noStrike" spc="-1" dirty="0">
+                <a:solidFill>
+                  <a:srgbClr val="000000"/>
+                </a:solidFill>
+                <a:uFillTx/>
+                <a:latin typeface="Calibri"/>
+              </a:rPr>
+              <a:t>Offers</a:t>
+            </a:r>
+            <a:r>
+              <a:rPr lang="de-DE" sz="1600" b="0" strike="noStrike" spc="-1" dirty="0">
+                <a:solidFill>
+                  <a:srgbClr val="000000"/>
+                </a:solidFill>
+                <a:latin typeface="Calibri"/>
+              </a:rPr>
+              <a:t>:</a:t>
+            </a:r>
+          </a:p>
+          <a:p>
+            <a:pPr marL="1143000" lvl="2" indent="-228600">
+              <a:lnSpc>
+                <a:spcPct val="90000"/>
+              </a:lnSpc>
+              <a:spcBef>
+                <a:spcPts val="499"/>
+              </a:spcBef>
+              <a:buClr>
+                <a:srgbClr val="000000"/>
+              </a:buClr>
+              <a:buFont typeface="Arial"/>
+              <a:buChar char="•"/>
+            </a:pPr>
+            <a:r>
+              <a:rPr lang="de-DE" sz="1600" b="0" strike="noStrike" spc="-1" dirty="0">
+                <a:solidFill>
+                  <a:srgbClr val="000000"/>
+                </a:solidFill>
+                <a:latin typeface="Calibri"/>
+              </a:rPr>
+              <a:t>JSON, CSV, and TSV </a:t>
+            </a:r>
+            <a:r>
+              <a:rPr lang="de-DE" sz="1600" b="0" strike="noStrike" spc="-1" dirty="0" err="1">
+                <a:solidFill>
+                  <a:srgbClr val="000000"/>
+                </a:solidFill>
+                <a:latin typeface="Calibri"/>
+              </a:rPr>
+              <a:t>data</a:t>
+            </a:r>
+            <a:endParaRPr lang="de-DE" sz="1600" b="0" strike="noStrike" spc="-1" dirty="0">
+              <a:solidFill>
+                <a:srgbClr val="000000"/>
+              </a:solidFill>
+              <a:latin typeface="Calibri"/>
+            </a:endParaRPr>
+          </a:p>
+          <a:p>
+            <a:pPr marL="1143000" lvl="2" indent="-228600">
+              <a:lnSpc>
+                <a:spcPct val="90000"/>
+              </a:lnSpc>
+              <a:spcBef>
+                <a:spcPts val="499"/>
+              </a:spcBef>
+              <a:buClr>
+                <a:srgbClr val="000000"/>
+              </a:buClr>
+              <a:buFont typeface="Arial"/>
+              <a:buChar char="•"/>
+            </a:pPr>
+            <a:endParaRPr lang="de-DE" sz="1600" b="0" strike="noStrike" spc="-1" dirty="0">
+              <a:solidFill>
+                <a:srgbClr val="000000"/>
+              </a:solidFill>
+              <a:latin typeface="Calibri"/>
+            </a:endParaRPr>
+          </a:p>
+          <a:p>
+            <a:pPr marL="285840" indent="-285840">
+              <a:lnSpc>
+                <a:spcPct val="90000"/>
+              </a:lnSpc>
+              <a:spcBef>
+                <a:spcPts val="1001"/>
+              </a:spcBef>
+              <a:buClr>
+                <a:srgbClr val="343433"/>
+              </a:buClr>
+              <a:buFont typeface=".AppleSystemUIFont"/>
+              <a:buChar char="»"/>
+            </a:pPr>
+            <a:r>
+              <a:rPr lang="de-DE" sz="1600" b="0" u="sng" strike="noStrike" spc="-1" dirty="0">
+                <a:solidFill>
+                  <a:srgbClr val="0563C1"/>
+                </a:solidFill>
+                <a:uFillTx/>
+                <a:latin typeface="Calibri"/>
+                <a:hlinkClick r:id="rId3"/>
+              </a:rPr>
+              <a:t>www.</a:t>
+            </a:r>
+            <a:r>
+              <a:rPr lang="de-DE" sz="1600" b="0" u="sng" strike="noStrike" spc="-1" dirty="0">
+                <a:solidFill>
+                  <a:srgbClr val="0563C1"/>
+                </a:solidFill>
+                <a:uFillTx/>
+                <a:latin typeface="Calibri"/>
+              </a:rPr>
+              <a:t>dbpedia.org</a:t>
+            </a:r>
+            <a:endParaRPr lang="de-DE" sz="1600" b="0" strike="noStrike" spc="-1" dirty="0">
+              <a:solidFill>
+                <a:srgbClr val="000000"/>
+              </a:solidFill>
+              <a:latin typeface="Calibri"/>
+            </a:endParaRPr>
+          </a:p>
+          <a:p>
+            <a:pPr marL="685800" lvl="1" indent="-228600">
+              <a:lnSpc>
+                <a:spcPct val="90000"/>
+              </a:lnSpc>
+              <a:spcBef>
+                <a:spcPts val="499"/>
+              </a:spcBef>
+              <a:buClr>
+                <a:srgbClr val="000000"/>
+              </a:buClr>
+              <a:buFont typeface="Arial"/>
+              <a:buChar char="•"/>
+            </a:pPr>
+            <a:r>
+              <a:rPr lang="de-DE" sz="1600" spc="-1" dirty="0">
+                <a:solidFill>
+                  <a:srgbClr val="000000"/>
+                </a:solidFill>
+                <a:latin typeface="Calibri"/>
+              </a:rPr>
+              <a:t>SPARQL Endpoint available!</a:t>
+            </a:r>
+          </a:p>
+          <a:p>
+            <a:pPr marL="685800" lvl="1" indent="-228600">
+              <a:lnSpc>
+                <a:spcPct val="90000"/>
+              </a:lnSpc>
+              <a:spcBef>
+                <a:spcPts val="499"/>
+              </a:spcBef>
+              <a:buClr>
+                <a:srgbClr val="000000"/>
+              </a:buClr>
+              <a:buFont typeface="Arial"/>
+              <a:buChar char="•"/>
+            </a:pPr>
+            <a:endParaRPr lang="de-DE" sz="1600" u="sng" spc="-1" dirty="0">
+              <a:solidFill>
+                <a:srgbClr val="000000"/>
+              </a:solidFill>
+              <a:latin typeface="Calibri"/>
+            </a:endParaRPr>
+          </a:p>
+          <a:p>
+            <a:pPr marL="685800" lvl="1" indent="-228600">
+              <a:lnSpc>
+                <a:spcPct val="90000"/>
+              </a:lnSpc>
+              <a:spcBef>
+                <a:spcPts val="499"/>
+              </a:spcBef>
+              <a:buClr>
+                <a:srgbClr val="000000"/>
+              </a:buClr>
+              <a:buFont typeface="Arial"/>
+              <a:buChar char="•"/>
+            </a:pPr>
+            <a:r>
+              <a:rPr lang="de-DE" sz="1600" b="0" u="sng" strike="noStrike" spc="-1" dirty="0">
+                <a:solidFill>
+                  <a:srgbClr val="000000"/>
+                </a:solidFill>
+                <a:uFillTx/>
+                <a:latin typeface="Calibri"/>
+              </a:rPr>
+              <a:t>Offers</a:t>
+            </a:r>
+            <a:r>
+              <a:rPr lang="de-DE" sz="1600" b="0" strike="noStrike" spc="-1" dirty="0">
+                <a:solidFill>
+                  <a:srgbClr val="000000"/>
+                </a:solidFill>
+                <a:latin typeface="Calibri"/>
+              </a:rPr>
+              <a:t>:</a:t>
+            </a:r>
+          </a:p>
+          <a:p>
+            <a:pPr marL="1143000" lvl="2" indent="-228600">
+              <a:lnSpc>
+                <a:spcPct val="90000"/>
+              </a:lnSpc>
+              <a:spcBef>
+                <a:spcPts val="499"/>
+              </a:spcBef>
+              <a:buClr>
+                <a:srgbClr val="000000"/>
+              </a:buClr>
+              <a:buFont typeface="Arial"/>
+              <a:buChar char="•"/>
+            </a:pPr>
+            <a:r>
+              <a:rPr lang="de-DE" sz="1600" b="0" strike="noStrike" spc="-1" dirty="0">
+                <a:solidFill>
+                  <a:srgbClr val="000000"/>
+                </a:solidFill>
+                <a:latin typeface="Calibri"/>
+              </a:rPr>
+              <a:t>JSON, RDF, CSV, and many more</a:t>
+            </a:r>
+          </a:p>
+          <a:p>
+            <a:pPr>
+              <a:lnSpc>
+                <a:spcPct val="90000"/>
+              </a:lnSpc>
+              <a:spcBef>
+                <a:spcPts val="1417"/>
+              </a:spcBef>
+              <a:buNone/>
+            </a:pPr>
+            <a:endParaRPr lang="de-DE" sz="1600" b="0" strike="noStrike" spc="-1" dirty="0">
+              <a:solidFill>
+                <a:srgbClr val="000000"/>
+              </a:solidFill>
+              <a:latin typeface="Calibri"/>
+            </a:endParaRPr>
+          </a:p>
+        </p:txBody>
+      </p:sp>
+    </p:spTree>
+    <p:extLst>
+      <p:ext uri="{BB962C8B-B14F-4D97-AF65-F5344CB8AC3E}">
+        <p14:creationId xmlns:p14="http://schemas.microsoft.com/office/powerpoint/2010/main" val="375909019"/>
+      </p:ext>
+    </p:extLst>
+  </p:cSld>
+  <p:clrMapOvr>
+    <a:masterClrMapping/>
+  </p:clrMapOvr>
+</p:sld>
+</file>
+
+<file path=ppt/slides/slide9.xml><?xml version="1.0" encoding="utf-8"?>
 <p:sld xmlns:a="http://schemas.openxmlformats.org/drawingml/2006/main" xmlns:r="http://schemas.openxmlformats.org/officeDocument/2006/relationships" xmlns:p="http://schemas.openxmlformats.org/presentationml/2006/main">
   <p:cSld>
     <p:spTree>

--- a/Task 1/pres_1.pptx
+++ b/Task 1/pres_1.pptx
@@ -399,7 +399,7 @@
               <a:rPr lang="en-US" sz="1400" b="0" strike="noStrike" spc="-1">
                 <a:latin typeface="Times New Roman"/>
               </a:rPr>
-              <a:t>‹#›</a:t>
+              <a:t>‹Nr.›</a:t>
             </a:fld>
             <a:endParaRPr lang="en-US" sz="1400" b="0" strike="noStrike" spc="-1">
               <a:latin typeface="Times New Roman"/>
@@ -535,7 +535,7 @@
         <p:spPr>
           <a:xfrm>
             <a:off x="685800" y="1143000"/>
-            <a:ext cx="5486040" cy="3085920"/>
+            <a:ext cx="5486400" cy="3086100"/>
           </a:xfrm>
           <a:prstGeom prst="rect">
             <a:avLst/>
@@ -574,7 +574,7 @@
           </a:bodyPr>
           <a:lstStyle/>
           <a:p>
-            <a:endParaRPr lang="en-US" sz="2000" b="0" strike="noStrike" spc="-1">
+            <a:endParaRPr lang="en-US" sz="2000" b="0" strike="noStrike" spc="-1" dirty="0">
               <a:latin typeface="Arial"/>
             </a:endParaRPr>
           </a:p>
@@ -1422,7 +1422,7 @@
           </a:bodyPr>
           <a:lstStyle/>
           <a:p>
-            <a:endParaRPr lang="en-US" sz="2000" b="0" strike="noStrike" spc="-1">
+            <a:endParaRPr lang="en-US" sz="2000" b="0" strike="noStrike" spc="-1" dirty="0">
               <a:latin typeface="Arial"/>
             </a:endParaRPr>
           </a:p>
@@ -2475,7 +2475,7 @@
           <a:lstStyle/>
           <a:p>
             <a:fld id="{872BF2DB-59DF-420B-A3EC-20F7877E45DC}" type="slidenum">
-              <a:t>‹#›</a:t>
+              <a:t>‹Nr.›</a:t>
             </a:fld>
             <a:endParaRPr/>
           </a:p>
@@ -2619,7 +2619,7 @@
           <a:lstStyle/>
           <a:p>
             <a:fld id="{AD9B19EE-467E-4B7F-8324-B49C6C9CF42F}" type="slidenum">
-              <a:t>‹#›</a:t>
+              <a:t>‹Nr.›</a:t>
             </a:fld>
             <a:endParaRPr/>
           </a:p>
@@ -2772,7 +2772,7 @@
           <a:lstStyle/>
           <a:p>
             <a:fld id="{AE1C3A99-D3B5-4B97-81E5-FB01CD4F50C6}" type="slidenum">
-              <a:t>‹#›</a:t>
+              <a:t>‹Nr.›</a:t>
             </a:fld>
             <a:endParaRPr/>
           </a:p>
@@ -2972,7 +2972,7 @@
           <a:lstStyle/>
           <a:p>
             <a:fld id="{512AF66D-BB1F-4131-8E50-9C5880E8A07B}" type="slidenum">
-              <a:t>‹#›</a:t>
+              <a:t>‹Nr.›</a:t>
             </a:fld>
             <a:endParaRPr/>
           </a:p>
@@ -3078,7 +3078,7 @@
           <a:lstStyle/>
           <a:p>
             <a:fld id="{2F2526E1-B972-4B94-AE24-E67B1E3F0F06}" type="slidenum">
-              <a:t>‹#›</a:t>
+              <a:t>‹Nr.›</a:t>
             </a:fld>
             <a:endParaRPr/>
           </a:p>
@@ -3184,7 +3184,7 @@
           <a:lstStyle/>
           <a:p>
             <a:fld id="{F4A68C57-CB3A-41DF-A331-F27A055F29BC}" type="slidenum">
-              <a:t>‹#›</a:t>
+              <a:t>‹Nr.›</a:t>
             </a:fld>
             <a:endParaRPr/>
           </a:p>
@@ -3431,7 +3431,7 @@
           <a:lstStyle/>
           <a:p>
             <a:fld id="{4F4127F4-28B7-4D13-9517-67BD1ED15A2A}" type="slidenum">
-              <a:t>‹#›</a:t>
+              <a:t>‹Nr.›</a:t>
             </a:fld>
             <a:endParaRPr/>
           </a:p>
@@ -3779,7 +3779,7 @@
           <a:lstStyle/>
           <a:p>
             <a:fld id="{B077D09C-CFC7-4DD7-AB90-72BC1EA0EE0B}" type="slidenum">
-              <a:t>‹#›</a:t>
+              <a:t>‹Nr.›</a:t>
             </a:fld>
             <a:endParaRPr/>
           </a:p>
@@ -4026,7 +4026,7 @@
           <a:lstStyle/>
           <a:p>
             <a:fld id="{7B9B0A27-362C-46E0-8128-8AD0D495AA67}" type="slidenum">
-              <a:t>‹#›</a:t>
+              <a:t>‹Nr.›</a:t>
             </a:fld>
             <a:endParaRPr/>
           </a:p>
@@ -4226,7 +4226,7 @@
           <a:lstStyle/>
           <a:p>
             <a:fld id="{4B9B7F22-29A1-4170-BE3C-C9E83AA49634}" type="slidenum">
-              <a:t>‹#›</a:t>
+              <a:t>‹Nr.›</a:t>
             </a:fld>
             <a:endParaRPr/>
           </a:p>
@@ -4520,7 +4520,7 @@
           <a:lstStyle/>
           <a:p>
             <a:fld id="{83C4CBC6-D894-47FA-95E4-092DD1362EDD}" type="slidenum">
-              <a:t>‹#›</a:t>
+              <a:t>‹Nr.›</a:t>
             </a:fld>
             <a:endParaRPr/>
           </a:p>
@@ -4908,7 +4908,7 @@
           <a:lstStyle/>
           <a:p>
             <a:fld id="{5EC76571-4D75-4703-998F-D8EFAA52B285}" type="slidenum">
-              <a:t>‹#›</a:t>
+              <a:t>‹Nr.›</a:t>
             </a:fld>
             <a:endParaRPr/>
           </a:p>
@@ -4976,7 +4976,7 @@
           <a:lstStyle/>
           <a:p>
             <a:fld id="{554D4470-C2E0-492A-A70F-B7A46E491753}" type="slidenum">
-              <a:t>‹#›</a:t>
+              <a:t>‹Nr.›</a:t>
             </a:fld>
             <a:endParaRPr/>
           </a:p>
@@ -5120,7 +5120,7 @@
           <a:lstStyle/>
           <a:p>
             <a:fld id="{37CB973E-8554-4930-8D94-4D8A81F302DC}" type="slidenum">
-              <a:t>‹#›</a:t>
+              <a:t>‹Nr.›</a:t>
             </a:fld>
             <a:endParaRPr/>
           </a:p>
@@ -5273,7 +5273,7 @@
           <a:lstStyle/>
           <a:p>
             <a:fld id="{E5F00BE4-0CF7-4E7A-8BE6-025E38C3A105}" type="slidenum">
-              <a:t>‹#›</a:t>
+              <a:t>‹Nr.›</a:t>
             </a:fld>
             <a:endParaRPr/>
           </a:p>
@@ -5473,7 +5473,7 @@
           <a:lstStyle/>
           <a:p>
             <a:fld id="{78FA8676-297B-4D92-9A6E-472078E6945D}" type="slidenum">
-              <a:t>‹#›</a:t>
+              <a:t>‹Nr.›</a:t>
             </a:fld>
             <a:endParaRPr/>
           </a:p>
@@ -5579,7 +5579,7 @@
           <a:lstStyle/>
           <a:p>
             <a:fld id="{A3DE448F-7401-4D6B-A6E7-20361EBA5783}" type="slidenum">
-              <a:t>‹#›</a:t>
+              <a:t>‹Nr.›</a:t>
             </a:fld>
             <a:endParaRPr/>
           </a:p>
@@ -5795,7 +5795,7 @@
           <a:lstStyle/>
           <a:p>
             <a:fld id="{962E77BA-57DF-4945-B86F-57CF033E9FDA}" type="slidenum">
-              <a:t>‹#›</a:t>
+              <a:t>‹Nr.›</a:t>
             </a:fld>
             <a:endParaRPr/>
           </a:p>
@@ -6042,7 +6042,7 @@
           <a:lstStyle/>
           <a:p>
             <a:fld id="{CE037AF9-18ED-4120-BEE3-9DA0A277B495}" type="slidenum">
-              <a:t>‹#›</a:t>
+              <a:t>‹Nr.›</a:t>
             </a:fld>
             <a:endParaRPr/>
           </a:p>
@@ -6289,7 +6289,7 @@
           <a:lstStyle/>
           <a:p>
             <a:fld id="{5FD0C828-F6FA-4CAB-AA46-356F5343A400}" type="slidenum">
-              <a:t>‹#›</a:t>
+              <a:t>‹Nr.›</a:t>
             </a:fld>
             <a:endParaRPr/>
           </a:p>
@@ -6536,7 +6536,7 @@
           <a:lstStyle/>
           <a:p>
             <a:fld id="{9C1F3CF4-AB16-47CE-984B-7B18320AF01E}" type="slidenum">
-              <a:t>‹#›</a:t>
+              <a:t>‹Nr.›</a:t>
             </a:fld>
             <a:endParaRPr/>
           </a:p>
@@ -6736,7 +6736,7 @@
           <a:lstStyle/>
           <a:p>
             <a:fld id="{3FB15E9C-91F8-44E1-80FC-D431DEEB281B}" type="slidenum">
-              <a:t>‹#›</a:t>
+              <a:t>‹Nr.›</a:t>
             </a:fld>
             <a:endParaRPr/>
           </a:p>
@@ -7030,7 +7030,7 @@
           <a:lstStyle/>
           <a:p>
             <a:fld id="{3FCB76A9-8C2F-4B45-975B-14A69A9A30A7}" type="slidenum">
-              <a:t>‹#›</a:t>
+              <a:t>‹Nr.›</a:t>
             </a:fld>
             <a:endParaRPr/>
           </a:p>
@@ -7418,7 +7418,7 @@
           <a:lstStyle/>
           <a:p>
             <a:fld id="{4AE9AA04-FF9B-484A-ADA8-C32D1B287AE1}" type="slidenum">
-              <a:t>‹#›</a:t>
+              <a:t>‹Nr.›</a:t>
             </a:fld>
             <a:endParaRPr/>
           </a:p>
@@ -9305,7 +9305,7 @@
                 </a:solidFill>
                 <a:latin typeface="Calibri"/>
               </a:rPr>
-              <a:t>‹#›</a:t>
+              <a:t>‹Nr.›</a:t>
             </a:fld>
             <a:endParaRPr lang="en-US" sz="1000" b="0" strike="noStrike" spc="-1">
               <a:latin typeface="Times New Roman"/>
@@ -9846,7 +9846,7 @@
                 </a:solidFill>
                 <a:latin typeface="Calibri"/>
               </a:rPr>
-              <a:t>‹#›</a:t>
+              <a:t>‹Nr.›</a:t>
             </a:fld>
             <a:endParaRPr lang="en-US" sz="1000" b="0" strike="noStrike" spc="-1">
               <a:latin typeface="Times New Roman"/>
@@ -10516,15 +10516,33 @@
               <a:buNone/>
             </a:pPr>
             <a:r>
-              <a:rPr lang="de-DE" sz="2800" b="0" strike="noStrike" spc="-1">
+              <a:rPr lang="de-DE" sz="2800" b="0" strike="noStrike" spc="-1" dirty="0">
                 <a:solidFill>
                   <a:srgbClr val="000000"/>
                 </a:solidFill>
                 <a:latin typeface="Calibri Light"/>
               </a:rPr>
-              <a:t>German Tourism Knowledge Graph – Hosting &amp; External Sources</a:t>
-            </a:r>
-            <a:endParaRPr lang="de-DE" sz="2800" b="0" strike="noStrike" spc="-1">
+              <a:t>German </a:t>
+            </a:r>
+            <a:r>
+              <a:rPr lang="de-DE" sz="2800" b="0" strike="noStrike" spc="-1" dirty="0" err="1">
+                <a:solidFill>
+                  <a:srgbClr val="000000"/>
+                </a:solidFill>
+                <a:latin typeface="Calibri Light"/>
+              </a:rPr>
+              <a:t>Tourism</a:t>
+            </a:r>
+            <a:r>
+              <a:rPr lang="de-DE" sz="2800" b="0" strike="noStrike" spc="-1" dirty="0">
+                <a:solidFill>
+                  <a:srgbClr val="000000"/>
+                </a:solidFill>
+                <a:latin typeface="Calibri Light"/>
+              </a:rPr>
+              <a:t> Knowledge Graph – Hosting &amp; External Sources</a:t>
+            </a:r>
+            <a:endParaRPr lang="de-DE" sz="2800" b="0" strike="noStrike" spc="-1" dirty="0">
               <a:solidFill>
                 <a:srgbClr val="000000"/>
               </a:solidFill>
@@ -10566,6 +10584,57 @@
           </a:effectRef>
           <a:fontRef idx="minor"/>
         </p:style>
+        <p:txBody>
+          <a:bodyPr/>
+          <a:lstStyle/>
+          <a:p>
+            <a:endParaRPr lang="de-DE" dirty="0"/>
+          </a:p>
+          <a:p>
+            <a:r>
+              <a:rPr lang="de-DE" sz="1400" dirty="0">
+                <a:latin typeface="Calibri Light" panose="020F0302020204030204" pitchFamily="34" charset="0"/>
+                <a:cs typeface="Calibri Light" panose="020F0302020204030204" pitchFamily="34" charset="0"/>
+              </a:rPr>
+              <a:t>    Penz Manuel – </a:t>
+            </a:r>
+            <a:r>
+              <a:rPr lang="de-DE" sz="1400" spc="-1" dirty="0" err="1">
+                <a:latin typeface="Calibri Light" panose="020F0302020204030204" pitchFamily="34" charset="0"/>
+                <a:cs typeface="Calibri Light" panose="020F0302020204030204" pitchFamily="34" charset="0"/>
+              </a:rPr>
+              <a:t>Rasmusen</a:t>
+            </a:r>
+            <a:r>
+              <a:rPr lang="de-DE" sz="1400" spc="-1" dirty="0">
+                <a:latin typeface="Calibri Light" panose="020F0302020204030204" pitchFamily="34" charset="0"/>
+                <a:cs typeface="Calibri Light" panose="020F0302020204030204" pitchFamily="34" charset="0"/>
+              </a:rPr>
+              <a:t> Sven – </a:t>
+            </a:r>
+            <a:r>
+              <a:rPr lang="de-DE" sz="1400" spc="-1" dirty="0" err="1">
+                <a:latin typeface="Calibri Light" panose="020F0302020204030204" pitchFamily="34" charset="0"/>
+                <a:cs typeface="Calibri Light" panose="020F0302020204030204" pitchFamily="34" charset="0"/>
+              </a:rPr>
+              <a:t>Zaric</a:t>
+            </a:r>
+            <a:r>
+              <a:rPr lang="de-DE" sz="1400" spc="-1" dirty="0">
+                <a:latin typeface="Calibri Light" panose="020F0302020204030204" pitchFamily="34" charset="0"/>
+                <a:cs typeface="Calibri Light" panose="020F0302020204030204" pitchFamily="34" charset="0"/>
+              </a:rPr>
+              <a:t> </a:t>
+            </a:r>
+            <a:r>
+              <a:rPr lang="de-DE" sz="1400" dirty="0">
+                <a:latin typeface="Calibri Light" panose="020F0302020204030204" pitchFamily="34" charset="0"/>
+                <a:cs typeface="Calibri Light" panose="020F0302020204030204" pitchFamily="34" charset="0"/>
+              </a:rPr>
+              <a:t>Marko</a:t>
+            </a:r>
+          </a:p>
+        </p:txBody>
       </p:sp>
     </p:spTree>
   </p:cSld>
@@ -10772,17 +10841,53 @@
                 </a:solidFill>
                 <a:latin typeface="Calibri"/>
               </a:rPr>
-              <a:t>Hosting &amp; External Sources I </a:t>
+              <a:t>Hosting &amp; External Sources I Penz Manuel – </a:t>
+            </a:r>
+            <a:r>
+              <a:rPr lang="de-DE" sz="1000" b="0" strike="noStrike" spc="-1" dirty="0" err="1">
+                <a:solidFill>
+                  <a:srgbClr val="000000"/>
+                </a:solidFill>
+                <a:latin typeface="Calibri"/>
+              </a:rPr>
+              <a:t>Rasmusen</a:t>
             </a:r>
             <a:r>
               <a:rPr lang="de-DE" sz="1000" b="0" strike="noStrike" spc="-1" dirty="0">
+                <a:solidFill>
+                  <a:srgbClr val="000000"/>
+                </a:solidFill>
+                <a:latin typeface="Calibri"/>
+              </a:rPr>
+              <a:t> Sven – </a:t>
+            </a:r>
+            <a:r>
+              <a:rPr lang="de-DE" sz="1000" b="0" strike="noStrike" spc="-1" dirty="0" err="1">
+                <a:solidFill>
+                  <a:srgbClr val="000000"/>
+                </a:solidFill>
+                <a:latin typeface="Calibri"/>
+              </a:rPr>
+              <a:t>Zaric</a:t>
+            </a:r>
+            <a:r>
+              <a:rPr lang="de-DE" sz="1000" b="0" strike="noStrike" spc="-1" dirty="0">
+                <a:solidFill>
+                  <a:srgbClr val="000000"/>
+                </a:solidFill>
+                <a:latin typeface="Calibri"/>
+              </a:rPr>
+              <a:t> Marko</a:t>
+            </a:r>
+            <a:r>
+              <a:rPr lang="de-DE" dirty="0">
                 <a:solidFill>
                   <a:schemeClr val="tx1"/>
                 </a:solidFill>
                 <a:latin typeface="Calibri" panose="020F0502020204030204" pitchFamily="34" charset="0"/>
                 <a:cs typeface="Calibri" panose="020F0502020204030204" pitchFamily="34" charset="0"/>
               </a:rPr>
-              <a:t>Sven Rasmusen - Marko Zaric – Manuel Penz </a:t>
+              <a:t> </a:t>
             </a:r>
             <a:r>
               <a:rPr lang="de-DE" sz="1000" b="0" strike="noStrike" spc="-1" dirty="0">
@@ -11097,7 +11202,47 @@
                 <a:latin typeface="Calibri" panose="020F0502020204030204" pitchFamily="34" charset="0"/>
                 <a:cs typeface="Calibri" panose="020F0502020204030204" pitchFamily="34" charset="0"/>
               </a:rPr>
-              <a:t>Sven Rasmusen - Marko Zaric – Manuel Penz </a:t>
+              <a:t>Penz Manuel – </a:t>
+            </a:r>
+            <a:r>
+              <a:rPr lang="de-DE" sz="1000" b="0" strike="noStrike" spc="-1" dirty="0" err="1">
+                <a:solidFill>
+                  <a:schemeClr val="tx1"/>
+                </a:solidFill>
+                <a:latin typeface="Calibri" panose="020F0502020204030204" pitchFamily="34" charset="0"/>
+                <a:cs typeface="Calibri" panose="020F0502020204030204" pitchFamily="34" charset="0"/>
+              </a:rPr>
+              <a:t>Rasmusen</a:t>
+            </a:r>
+            <a:r>
+              <a:rPr lang="de-DE" sz="1000" b="0" strike="noStrike" spc="-1" dirty="0">
+                <a:solidFill>
+                  <a:schemeClr val="tx1"/>
+                </a:solidFill>
+                <a:latin typeface="Calibri" panose="020F0502020204030204" pitchFamily="34" charset="0"/>
+                <a:cs typeface="Calibri" panose="020F0502020204030204" pitchFamily="34" charset="0"/>
+              </a:rPr>
+              <a:t> Sven – </a:t>
+            </a:r>
+            <a:r>
+              <a:rPr lang="de-DE" sz="1000" b="0" strike="noStrike" spc="-1" dirty="0" err="1">
+                <a:solidFill>
+                  <a:schemeClr val="tx1"/>
+                </a:solidFill>
+                <a:latin typeface="Calibri" panose="020F0502020204030204" pitchFamily="34" charset="0"/>
+                <a:cs typeface="Calibri" panose="020F0502020204030204" pitchFamily="34" charset="0"/>
+              </a:rPr>
+              <a:t>Zaric</a:t>
+            </a:r>
+            <a:r>
+              <a:rPr lang="de-DE" sz="1000" b="0" strike="noStrike" spc="-1" dirty="0">
+                <a:solidFill>
+                  <a:schemeClr val="tx1"/>
+                </a:solidFill>
+                <a:latin typeface="Calibri" panose="020F0502020204030204" pitchFamily="34" charset="0"/>
+                <a:cs typeface="Calibri" panose="020F0502020204030204" pitchFamily="34" charset="0"/>
+              </a:rPr>
+              <a:t> Marko </a:t>
             </a:r>
             <a:r>
               <a:rPr lang="de-DE" sz="1000" b="0" strike="noStrike" spc="-1" dirty="0">
@@ -11456,7 +11601,47 @@
                 <a:latin typeface="Calibri" panose="020F0502020204030204" pitchFamily="34" charset="0"/>
                 <a:cs typeface="Calibri" panose="020F0502020204030204" pitchFamily="34" charset="0"/>
               </a:rPr>
-              <a:t>Sven Rasmusen - Marko Zaric – Manuel Penz </a:t>
+              <a:t>Penz Manuel – </a:t>
+            </a:r>
+            <a:r>
+              <a:rPr lang="de-DE" sz="1000" b="0" strike="noStrike" spc="-1" dirty="0" err="1">
+                <a:solidFill>
+                  <a:schemeClr val="tx1"/>
+                </a:solidFill>
+                <a:latin typeface="Calibri" panose="020F0502020204030204" pitchFamily="34" charset="0"/>
+                <a:cs typeface="Calibri" panose="020F0502020204030204" pitchFamily="34" charset="0"/>
+              </a:rPr>
+              <a:t>Rasmusen</a:t>
+            </a:r>
+            <a:r>
+              <a:rPr lang="de-DE" sz="1000" b="0" strike="noStrike" spc="-1" dirty="0">
+                <a:solidFill>
+                  <a:schemeClr val="tx1"/>
+                </a:solidFill>
+                <a:latin typeface="Calibri" panose="020F0502020204030204" pitchFamily="34" charset="0"/>
+                <a:cs typeface="Calibri" panose="020F0502020204030204" pitchFamily="34" charset="0"/>
+              </a:rPr>
+              <a:t> Sven – </a:t>
+            </a:r>
+            <a:r>
+              <a:rPr lang="de-DE" sz="1000" b="0" strike="noStrike" spc="-1" dirty="0" err="1">
+                <a:solidFill>
+                  <a:schemeClr val="tx1"/>
+                </a:solidFill>
+                <a:latin typeface="Calibri" panose="020F0502020204030204" pitchFamily="34" charset="0"/>
+                <a:cs typeface="Calibri" panose="020F0502020204030204" pitchFamily="34" charset="0"/>
+              </a:rPr>
+              <a:t>Zaric</a:t>
+            </a:r>
+            <a:r>
+              <a:rPr lang="de-DE" sz="1000" b="0" strike="noStrike" spc="-1" dirty="0">
+                <a:solidFill>
+                  <a:schemeClr val="tx1"/>
+                </a:solidFill>
+                <a:latin typeface="Calibri" panose="020F0502020204030204" pitchFamily="34" charset="0"/>
+                <a:cs typeface="Calibri" panose="020F0502020204030204" pitchFamily="34" charset="0"/>
+              </a:rPr>
+              <a:t> Marko </a:t>
             </a:r>
             <a:r>
               <a:rPr lang="de-DE" sz="1000" b="0" strike="noStrike" spc="-1" dirty="0">
@@ -11511,7 +11696,7 @@
               </a:spcBef>
               <a:buNone/>
             </a:pPr>
-            <a:endParaRPr lang="de-DE" sz="2800" b="0" strike="noStrike" spc="-1">
+            <a:endParaRPr lang="de-DE" sz="2800" b="0" strike="noStrike" spc="-1" dirty="0">
               <a:solidFill>
                 <a:srgbClr val="000000"/>
               </a:solidFill>
@@ -11823,14 +12008,56 @@
               <a:t>Hosting &amp; External Sources I </a:t>
             </a:r>
             <a:r>
-              <a:rPr lang="de-DE" sz="1000" b="0" strike="noStrike" spc="-1" dirty="0">
+              <a:rPr lang="de-DE" sz="1000" dirty="0">
+                <a:latin typeface="Calibri Light" panose="020F0302020204030204" pitchFamily="34" charset="0"/>
+                <a:cs typeface="Calibri Light" panose="020F0302020204030204" pitchFamily="34" charset="0"/>
+              </a:rPr>
+              <a:t>Penz Manuel – </a:t>
+            </a:r>
+            <a:r>
+              <a:rPr lang="de-DE" sz="1000" spc="-1" dirty="0" err="1">
+                <a:latin typeface="Calibri Light" panose="020F0302020204030204" pitchFamily="34" charset="0"/>
+                <a:cs typeface="Calibri Light" panose="020F0302020204030204" pitchFamily="34" charset="0"/>
+              </a:rPr>
+              <a:t>Rasmusen</a:t>
+            </a:r>
+            <a:r>
+              <a:rPr lang="de-DE" sz="1000" spc="-1" dirty="0">
+                <a:latin typeface="Calibri Light" panose="020F0302020204030204" pitchFamily="34" charset="0"/>
+                <a:cs typeface="Calibri Light" panose="020F0302020204030204" pitchFamily="34" charset="0"/>
+              </a:rPr>
+              <a:t> Sven – </a:t>
+            </a:r>
+            <a:r>
+              <a:rPr lang="de-DE" sz="1000" spc="-1" dirty="0" err="1">
+                <a:latin typeface="Calibri Light" panose="020F0302020204030204" pitchFamily="34" charset="0"/>
+                <a:cs typeface="Calibri Light" panose="020F0302020204030204" pitchFamily="34" charset="0"/>
+              </a:rPr>
+              <a:t>Zaric</a:t>
+            </a:r>
+            <a:r>
+              <a:rPr lang="de-DE" sz="1000" spc="-1" dirty="0">
+                <a:latin typeface="Calibri Light" panose="020F0302020204030204" pitchFamily="34" charset="0"/>
+                <a:cs typeface="Calibri Light" panose="020F0302020204030204" pitchFamily="34" charset="0"/>
+              </a:rPr>
+              <a:t> </a:t>
+            </a:r>
+            <a:r>
+              <a:rPr lang="de-DE" sz="1000" dirty="0">
+                <a:latin typeface="Calibri Light" panose="020F0302020204030204" pitchFamily="34" charset="0"/>
+                <a:cs typeface="Calibri Light" panose="020F0302020204030204" pitchFamily="34" charset="0"/>
+              </a:rPr>
+              <a:t>Marko</a:t>
+            </a:r>
+            <a:r>
+              <a:rPr lang="de-DE" dirty="0">
                 <a:solidFill>
                   <a:schemeClr val="tx1"/>
                 </a:solidFill>
                 <a:latin typeface="Calibri" panose="020F0502020204030204" pitchFamily="34" charset="0"/>
                 <a:cs typeface="Calibri" panose="020F0502020204030204" pitchFamily="34" charset="0"/>
               </a:rPr>
-              <a:t>Sven Rasmusen - Marko Zaric – Manuel Penz </a:t>
+              <a:t> </a:t>
             </a:r>
             <a:r>
               <a:rPr lang="de-DE" sz="1000" b="0" strike="noStrike" spc="-1" dirty="0">
@@ -11890,15 +12117,15 @@
               <a:buChar char="»"/>
             </a:pPr>
             <a:r>
-              <a:rPr lang="de-DE" sz="2000" b="0" strike="noStrike" spc="-1">
+              <a:rPr lang="de-DE" sz="2000" b="0" strike="noStrike" spc="-1" dirty="0">
                 <a:solidFill>
                   <a:srgbClr val="343433"/>
                 </a:solidFill>
                 <a:latin typeface="Calibri"/>
               </a:rPr>
-              <a:t>Predicates:</a:t>
-            </a:r>
-            <a:endParaRPr lang="de-DE" sz="2000" b="0" strike="noStrike" spc="-1">
+              <a:t>Properties:</a:t>
+            </a:r>
+            <a:endParaRPr lang="de-DE" sz="2000" b="0" strike="noStrike" spc="-1" dirty="0">
               <a:solidFill>
                 <a:srgbClr val="000000"/>
               </a:solidFill>
@@ -11920,14 +12147,29 @@
               <a:buChar char="•"/>
             </a:pPr>
             <a:r>
-              <a:rPr lang="de-DE" sz="1600" b="0" strike="noStrike" spc="-1">
+              <a:rPr lang="de-DE" sz="1600" spc="-1" dirty="0" err="1">
                 <a:solidFill>
                   <a:srgbClr val="000000"/>
                 </a:solidFill>
                 <a:latin typeface="Calibri"/>
               </a:rPr>
-              <a:t>Address</a:t>
-            </a:r>
+              <a:t>a</a:t>
+            </a:r>
+            <a:r>
+              <a:rPr lang="de-DE" sz="1600" b="0" strike="noStrike" spc="-1" dirty="0" err="1">
+                <a:solidFill>
+                  <a:srgbClr val="000000"/>
+                </a:solidFill>
+                <a:latin typeface="Calibri"/>
+              </a:rPr>
+              <a:t>ddress</a:t>
+            </a:r>
+            <a:endParaRPr lang="de-DE" sz="1600" b="0" strike="noStrike" spc="-1" dirty="0">
+              <a:solidFill>
+                <a:srgbClr val="000000"/>
+              </a:solidFill>
+              <a:latin typeface="Calibri"/>
+            </a:endParaRPr>
           </a:p>
           <a:p>
             <a:pPr marL="685800" lvl="1" indent="-228600">
@@ -11944,14 +12186,29 @@
               <a:buChar char="•"/>
             </a:pPr>
             <a:r>
-              <a:rPr lang="de-DE" sz="1600" b="0" strike="noStrike" spc="-1">
+              <a:rPr lang="de-DE" sz="1600" spc="-1" dirty="0" err="1">
                 <a:solidFill>
                   <a:srgbClr val="000000"/>
                 </a:solidFill>
                 <a:latin typeface="Calibri"/>
               </a:rPr>
-              <a:t>Description</a:t>
-            </a:r>
+              <a:t>d</a:t>
+            </a:r>
+            <a:r>
+              <a:rPr lang="de-DE" sz="1600" b="0" strike="noStrike" spc="-1" dirty="0" err="1">
+                <a:solidFill>
+                  <a:srgbClr val="000000"/>
+                </a:solidFill>
+                <a:latin typeface="Calibri"/>
+              </a:rPr>
+              <a:t>escription</a:t>
+            </a:r>
+            <a:endParaRPr lang="de-DE" sz="1600" b="0" strike="noStrike" spc="-1" dirty="0">
+              <a:solidFill>
+                <a:srgbClr val="000000"/>
+              </a:solidFill>
+              <a:latin typeface="Calibri"/>
+            </a:endParaRPr>
           </a:p>
           <a:p>
             <a:pPr marL="685800" lvl="1" indent="-228600">
@@ -11968,14 +12225,29 @@
               <a:buChar char="•"/>
             </a:pPr>
             <a:r>
-              <a:rPr lang="de-DE" sz="1600" b="0" strike="noStrike" spc="-1">
+              <a:rPr lang="de-DE" sz="1600" spc="-1" dirty="0" err="1">
                 <a:solidFill>
                   <a:srgbClr val="000000"/>
                 </a:solidFill>
                 <a:latin typeface="Calibri"/>
               </a:rPr>
-              <a:t>Geo</a:t>
-            </a:r>
+              <a:t>g</a:t>
+            </a:r>
+            <a:r>
+              <a:rPr lang="de-DE" sz="1600" b="0" strike="noStrike" spc="-1" dirty="0" err="1">
+                <a:solidFill>
+                  <a:srgbClr val="000000"/>
+                </a:solidFill>
+                <a:latin typeface="Calibri"/>
+              </a:rPr>
+              <a:t>eo</a:t>
+            </a:r>
+            <a:endParaRPr lang="de-DE" sz="1600" b="0" strike="noStrike" spc="-1" dirty="0">
+              <a:solidFill>
+                <a:srgbClr val="000000"/>
+              </a:solidFill>
+              <a:latin typeface="Calibri"/>
+            </a:endParaRPr>
           </a:p>
           <a:p>
             <a:pPr marL="685800" lvl="1" indent="-228600">
@@ -11992,14 +12264,29 @@
               <a:buChar char="•"/>
             </a:pPr>
             <a:r>
-              <a:rPr lang="de-DE" sz="1600" b="0" strike="noStrike" spc="-1">
+              <a:rPr lang="de-DE" sz="1600" spc="-1" dirty="0" err="1">
                 <a:solidFill>
                   <a:srgbClr val="000000"/>
                 </a:solidFill>
                 <a:latin typeface="Calibri"/>
               </a:rPr>
-              <a:t>Image</a:t>
-            </a:r>
+              <a:t>i</a:t>
+            </a:r>
+            <a:r>
+              <a:rPr lang="de-DE" sz="1600" b="0" strike="noStrike" spc="-1" dirty="0" err="1">
+                <a:solidFill>
+                  <a:srgbClr val="000000"/>
+                </a:solidFill>
+                <a:latin typeface="Calibri"/>
+              </a:rPr>
+              <a:t>mage</a:t>
+            </a:r>
+            <a:endParaRPr lang="de-DE" sz="1600" b="0" strike="noStrike" spc="-1" dirty="0">
+              <a:solidFill>
+                <a:srgbClr val="000000"/>
+              </a:solidFill>
+              <a:latin typeface="Calibri"/>
+            </a:endParaRPr>
           </a:p>
           <a:p>
             <a:pPr marL="685800" lvl="1" indent="-228600">
@@ -12016,7 +12303,7 @@
               <a:buChar char="•"/>
             </a:pPr>
             <a:r>
-              <a:rPr lang="de-DE" sz="1600" b="0" strike="noStrike" spc="-1">
+              <a:rPr lang="de-DE" sz="1600" b="0" strike="noStrike" spc="-1" dirty="0" err="1">
                 <a:solidFill>
                   <a:srgbClr val="000000"/>
                 </a:solidFill>
@@ -12024,6 +12311,12 @@
               </a:rPr>
               <a:t>IsAccessibleForFree</a:t>
             </a:r>
+            <a:endParaRPr lang="de-DE" sz="1600" b="0" strike="noStrike" spc="-1" dirty="0">
+              <a:solidFill>
+                <a:srgbClr val="000000"/>
+              </a:solidFill>
+              <a:latin typeface="Calibri"/>
+            </a:endParaRPr>
           </a:p>
           <a:p>
             <a:pPr marL="685800" lvl="1" indent="-228600">
@@ -12040,14 +12333,20 @@
               <a:buChar char="•"/>
             </a:pPr>
             <a:r>
-              <a:rPr lang="de-DE" sz="1600" b="0" strike="noStrike" spc="-1">
+              <a:rPr lang="de-DE" sz="1600" b="0" strike="noStrike" spc="-1" dirty="0" err="1">
                 <a:solidFill>
                   <a:srgbClr val="000000"/>
                 </a:solidFill>
                 <a:latin typeface="Calibri"/>
               </a:rPr>
-              <a:t>Name</a:t>
-            </a:r>
+              <a:t>name</a:t>
+            </a:r>
+            <a:endParaRPr lang="de-DE" sz="1600" b="0" strike="noStrike" spc="-1" dirty="0">
+              <a:solidFill>
+                <a:srgbClr val="000000"/>
+              </a:solidFill>
+              <a:latin typeface="Calibri"/>
+            </a:endParaRPr>
           </a:p>
           <a:p>
             <a:pPr marL="685800" lvl="1" indent="-228600">
@@ -12064,7 +12363,7 @@
               <a:buChar char="•"/>
             </a:pPr>
             <a:r>
-              <a:rPr lang="de-DE" sz="1600" b="0" strike="noStrike" spc="-1">
+              <a:rPr lang="de-DE" sz="1600" b="0" strike="noStrike" spc="-1" dirty="0" err="1">
                 <a:solidFill>
                   <a:srgbClr val="000000"/>
                 </a:solidFill>
@@ -12072,6 +12371,12 @@
               </a:rPr>
               <a:t>sameAs</a:t>
             </a:r>
+            <a:endParaRPr lang="de-DE" sz="1600" b="0" strike="noStrike" spc="-1" dirty="0">
+              <a:solidFill>
+                <a:srgbClr val="000000"/>
+              </a:solidFill>
+              <a:latin typeface="Calibri"/>
+            </a:endParaRPr>
           </a:p>
           <a:p>
             <a:pPr marL="685800" lvl="1" indent="-228600">
@@ -12088,14 +12393,29 @@
               <a:buChar char="•"/>
             </a:pPr>
             <a:r>
-              <a:rPr lang="de-DE" sz="1600" b="0" strike="noStrike" spc="-1">
+              <a:rPr lang="de-DE" sz="1600" spc="-1" dirty="0" err="1">
                 <a:solidFill>
                   <a:srgbClr val="000000"/>
                 </a:solidFill>
                 <a:latin typeface="Calibri"/>
               </a:rPr>
-              <a:t>Telephone</a:t>
-            </a:r>
+              <a:t>t</a:t>
+            </a:r>
+            <a:r>
+              <a:rPr lang="de-DE" sz="1600" b="0" strike="noStrike" spc="-1" dirty="0" err="1">
+                <a:solidFill>
+                  <a:srgbClr val="000000"/>
+                </a:solidFill>
+                <a:latin typeface="Calibri"/>
+              </a:rPr>
+              <a:t>elephone</a:t>
+            </a:r>
+            <a:endParaRPr lang="de-DE" sz="1600" b="0" strike="noStrike" spc="-1" dirty="0">
+              <a:solidFill>
+                <a:srgbClr val="000000"/>
+              </a:solidFill>
+              <a:latin typeface="Calibri"/>
+            </a:endParaRPr>
           </a:p>
           <a:p>
             <a:pPr marL="685800" lvl="1" indent="-228600">
@@ -12112,7 +12432,7 @@
               <a:buChar char="•"/>
             </a:pPr>
             <a:r>
-              <a:rPr lang="de-DE" sz="1600" b="0" strike="noStrike" spc="-1">
+              <a:rPr lang="de-DE" sz="1600" b="0" strike="noStrike" spc="-1" dirty="0" err="1">
                 <a:solidFill>
                   <a:srgbClr val="000000"/>
                 </a:solidFill>
@@ -12120,9 +12440,11 @@
               </a:rPr>
               <a:t>compliesWith</a:t>
             </a:r>
-            <a:br/>
-            <a:r>
-              <a:rPr lang="de-DE" sz="2000" b="0" strike="noStrike" spc="-1">
+            <a:br>
+              <a:rPr dirty="0"/>
+            </a:br>
+            <a:r>
+              <a:rPr lang="de-DE" sz="2000" b="0" strike="noStrike" spc="-1" dirty="0">
                 <a:solidFill>
                   <a:srgbClr val="000000"/>
                 </a:solidFill>
@@ -12146,15 +12468,24 @@
               <a:buChar char="»"/>
             </a:pPr>
             <a:r>
-              <a:rPr lang="de-DE" sz="2000" b="0" strike="noStrike" spc="-1">
+              <a:rPr lang="de-DE" sz="2000" b="0" strike="noStrike" spc="-1" dirty="0" err="1">
                 <a:solidFill>
                   <a:srgbClr val="343433"/>
                 </a:solidFill>
                 <a:latin typeface="Calibri"/>
               </a:rPr>
-              <a:t>Missing Predicates:</a:t>
-            </a:r>
-            <a:endParaRPr lang="de-DE" sz="2000" b="0" strike="noStrike" spc="-1">
+              <a:t>Missing</a:t>
+            </a:r>
+            <a:r>
+              <a:rPr lang="de-DE" sz="2000" b="0" strike="noStrike" spc="-1" dirty="0">
+                <a:solidFill>
+                  <a:srgbClr val="343433"/>
+                </a:solidFill>
+                <a:latin typeface="Calibri"/>
+              </a:rPr>
+              <a:t> Properties:</a:t>
+            </a:r>
+            <a:endParaRPr lang="de-DE" sz="2000" b="0" strike="noStrike" spc="-1" dirty="0">
               <a:solidFill>
                 <a:srgbClr val="000000"/>
               </a:solidFill>
@@ -12176,14 +12507,29 @@
               <a:buChar char="•"/>
             </a:pPr>
             <a:r>
-              <a:rPr lang="de-DE" sz="1600" b="0" strike="noStrike" spc="-1">
+              <a:rPr lang="de-DE" sz="1600" spc="-1" dirty="0" err="1">
                 <a:solidFill>
                   <a:srgbClr val="000000"/>
                 </a:solidFill>
                 <a:latin typeface="Calibri"/>
               </a:rPr>
-              <a:t>Rating</a:t>
-            </a:r>
+              <a:t>r</a:t>
+            </a:r>
+            <a:r>
+              <a:rPr lang="de-DE" sz="1600" b="0" strike="noStrike" spc="-1" dirty="0" err="1">
+                <a:solidFill>
+                  <a:srgbClr val="000000"/>
+                </a:solidFill>
+                <a:latin typeface="Calibri"/>
+              </a:rPr>
+              <a:t>ating</a:t>
+            </a:r>
+            <a:endParaRPr lang="de-DE" sz="1600" b="0" strike="noStrike" spc="-1" dirty="0">
+              <a:solidFill>
+                <a:srgbClr val="000000"/>
+              </a:solidFill>
+              <a:latin typeface="Calibri"/>
+            </a:endParaRPr>
           </a:p>
           <a:p>
             <a:pPr marL="685800" lvl="1" indent="-228600">
@@ -12200,14 +12546,29 @@
               <a:buChar char="•"/>
             </a:pPr>
             <a:r>
-              <a:rPr lang="de-DE" sz="1600" b="0" strike="noStrike" spc="-1">
+              <a:rPr lang="de-DE" sz="1600" spc="-1" dirty="0" err="1">
                 <a:solidFill>
                   <a:srgbClr val="000000"/>
                 </a:solidFill>
                 <a:latin typeface="Calibri"/>
               </a:rPr>
-              <a:t>Reviews</a:t>
-            </a:r>
+              <a:t>r</a:t>
+            </a:r>
+            <a:r>
+              <a:rPr lang="de-DE" sz="1600" b="0" strike="noStrike" spc="-1" dirty="0" err="1">
+                <a:solidFill>
+                  <a:srgbClr val="000000"/>
+                </a:solidFill>
+                <a:latin typeface="Calibri"/>
+              </a:rPr>
+              <a:t>eviews</a:t>
+            </a:r>
+            <a:endParaRPr lang="de-DE" sz="1600" b="0" strike="noStrike" spc="-1" dirty="0">
+              <a:solidFill>
+                <a:srgbClr val="000000"/>
+              </a:solidFill>
+              <a:latin typeface="Calibri"/>
+            </a:endParaRPr>
           </a:p>
         </p:txBody>
       </p:sp>
@@ -12442,14 +12803,56 @@
               <a:t>Hosting &amp; External Sources I </a:t>
             </a:r>
             <a:r>
+              <a:rPr lang="de-DE" sz="1000" dirty="0">
+                <a:latin typeface="Calibri Light" panose="020F0302020204030204" pitchFamily="34" charset="0"/>
+                <a:cs typeface="Calibri Light" panose="020F0302020204030204" pitchFamily="34" charset="0"/>
+              </a:rPr>
+              <a:t>Penz Manuel – </a:t>
+            </a:r>
+            <a:r>
+              <a:rPr lang="de-DE" sz="1000" spc="-1" dirty="0" err="1">
+                <a:latin typeface="Calibri Light" panose="020F0302020204030204" pitchFamily="34" charset="0"/>
+                <a:cs typeface="Calibri Light" panose="020F0302020204030204" pitchFamily="34" charset="0"/>
+              </a:rPr>
+              <a:t>Rasmusen</a:t>
+            </a:r>
+            <a:r>
+              <a:rPr lang="de-DE" sz="1000" spc="-1" dirty="0">
+                <a:latin typeface="Calibri Light" panose="020F0302020204030204" pitchFamily="34" charset="0"/>
+                <a:cs typeface="Calibri Light" panose="020F0302020204030204" pitchFamily="34" charset="0"/>
+              </a:rPr>
+              <a:t> Sven – </a:t>
+            </a:r>
+            <a:r>
+              <a:rPr lang="de-DE" sz="1000" spc="-1" dirty="0" err="1">
+                <a:latin typeface="Calibri Light" panose="020F0302020204030204" pitchFamily="34" charset="0"/>
+                <a:cs typeface="Calibri Light" panose="020F0302020204030204" pitchFamily="34" charset="0"/>
+              </a:rPr>
+              <a:t>Zaric</a:t>
+            </a:r>
+            <a:r>
+              <a:rPr lang="de-DE" sz="1000" spc="-1" dirty="0">
+                <a:latin typeface="Calibri Light" panose="020F0302020204030204" pitchFamily="34" charset="0"/>
+                <a:cs typeface="Calibri Light" panose="020F0302020204030204" pitchFamily="34" charset="0"/>
+              </a:rPr>
+              <a:t> </a:t>
+            </a:r>
+            <a:r>
+              <a:rPr lang="de-DE" sz="1000" dirty="0">
+                <a:latin typeface="Calibri Light" panose="020F0302020204030204" pitchFamily="34" charset="0"/>
+                <a:cs typeface="Calibri Light" panose="020F0302020204030204" pitchFamily="34" charset="0"/>
+              </a:rPr>
+              <a:t>Marko</a:t>
+            </a:r>
+            <a:r>
               <a:rPr lang="de-DE" sz="1000" b="0" strike="noStrike" spc="-1" dirty="0">
                 <a:solidFill>
                   <a:schemeClr val="tx1"/>
                 </a:solidFill>
-                <a:latin typeface="Calibri" panose="020F0502020204030204" pitchFamily="34" charset="0"/>
-                <a:cs typeface="Calibri" panose="020F0502020204030204" pitchFamily="34" charset="0"/>
-              </a:rPr>
-              <a:t>Sven Rasmusen - Marko Zaric – Manuel Penz </a:t>
+                <a:latin typeface="Calibri Light" panose="020F0302020204030204" pitchFamily="34" charset="0"/>
+                <a:cs typeface="Calibri Light" panose="020F0302020204030204" pitchFamily="34" charset="0"/>
+              </a:rPr>
+              <a:t> </a:t>
             </a:r>
             <a:r>
               <a:rPr lang="de-DE" sz="1000" b="0" strike="noStrike" spc="-1" dirty="0">
@@ -13185,14 +13588,56 @@
               <a:t>Hosting &amp; External Sources I </a:t>
             </a:r>
             <a:r>
+              <a:rPr lang="de-DE" sz="1000" dirty="0">
+                <a:latin typeface="Calibri Light" panose="020F0302020204030204" pitchFamily="34" charset="0"/>
+                <a:cs typeface="Calibri Light" panose="020F0302020204030204" pitchFamily="34" charset="0"/>
+              </a:rPr>
+              <a:t>Penz Manuel – </a:t>
+            </a:r>
+            <a:r>
+              <a:rPr lang="de-DE" sz="1000" spc="-1" dirty="0" err="1">
+                <a:latin typeface="Calibri Light" panose="020F0302020204030204" pitchFamily="34" charset="0"/>
+                <a:cs typeface="Calibri Light" panose="020F0302020204030204" pitchFamily="34" charset="0"/>
+              </a:rPr>
+              <a:t>Rasmusen</a:t>
+            </a:r>
+            <a:r>
+              <a:rPr lang="de-DE" sz="1000" spc="-1" dirty="0">
+                <a:latin typeface="Calibri Light" panose="020F0302020204030204" pitchFamily="34" charset="0"/>
+                <a:cs typeface="Calibri Light" panose="020F0302020204030204" pitchFamily="34" charset="0"/>
+              </a:rPr>
+              <a:t> Sven – </a:t>
+            </a:r>
+            <a:r>
+              <a:rPr lang="de-DE" sz="1000" spc="-1" dirty="0" err="1">
+                <a:latin typeface="Calibri Light" panose="020F0302020204030204" pitchFamily="34" charset="0"/>
+                <a:cs typeface="Calibri Light" panose="020F0302020204030204" pitchFamily="34" charset="0"/>
+              </a:rPr>
+              <a:t>Zaric</a:t>
+            </a:r>
+            <a:r>
+              <a:rPr lang="de-DE" sz="1000" spc="-1" dirty="0">
+                <a:latin typeface="Calibri Light" panose="020F0302020204030204" pitchFamily="34" charset="0"/>
+                <a:cs typeface="Calibri Light" panose="020F0302020204030204" pitchFamily="34" charset="0"/>
+              </a:rPr>
+              <a:t> </a:t>
+            </a:r>
+            <a:r>
+              <a:rPr lang="de-DE" sz="1000" dirty="0">
+                <a:latin typeface="Calibri Light" panose="020F0302020204030204" pitchFamily="34" charset="0"/>
+                <a:cs typeface="Calibri Light" panose="020F0302020204030204" pitchFamily="34" charset="0"/>
+              </a:rPr>
+              <a:t>Marko</a:t>
+            </a:r>
+            <a:r>
               <a:rPr lang="de-DE" sz="1000" b="0" strike="noStrike" spc="-1" dirty="0">
                 <a:solidFill>
                   <a:schemeClr val="tx1"/>
                 </a:solidFill>
-                <a:latin typeface="Calibri" panose="020F0502020204030204" pitchFamily="34" charset="0"/>
-                <a:cs typeface="Calibri" panose="020F0502020204030204" pitchFamily="34" charset="0"/>
-              </a:rPr>
-              <a:t>Sven Rasmusen - Marko Zaric – Manuel Penz </a:t>
+                <a:latin typeface="Calibri Light" panose="020F0302020204030204" pitchFamily="34" charset="0"/>
+                <a:cs typeface="Calibri Light" panose="020F0302020204030204" pitchFamily="34" charset="0"/>
+              </a:rPr>
+              <a:t> </a:t>
             </a:r>
             <a:r>
               <a:rPr lang="de-DE" sz="1000" b="0" strike="noStrike" spc="-1" dirty="0">
@@ -13643,7 +14088,7 @@
               <a:buNone/>
             </a:pPr>
             <a:r>
-              <a:rPr lang="de-DE" sz="3000" b="0" strike="noStrike" spc="-1">
+              <a:rPr lang="de-DE" sz="3000" b="0" strike="noStrike" spc="-1" dirty="0">
                 <a:solidFill>
                   <a:srgbClr val="000000"/>
                 </a:solidFill>
@@ -13651,7 +14096,7 @@
               </a:rPr>
               <a:t>External Sources</a:t>
             </a:r>
-            <a:endParaRPr lang="de-DE" sz="3000" b="0" strike="noStrike" spc="-1">
+            <a:endParaRPr lang="de-DE" sz="3000" b="0" strike="noStrike" spc="-1" dirty="0">
               <a:solidFill>
                 <a:srgbClr val="000000"/>
               </a:solidFill>
@@ -13790,14 +14235,56 @@
               <a:t>Hosting &amp; External Sources I </a:t>
             </a:r>
             <a:r>
+              <a:rPr lang="de-DE" sz="1000" dirty="0">
+                <a:latin typeface="Calibri Light" panose="020F0302020204030204" pitchFamily="34" charset="0"/>
+                <a:cs typeface="Calibri Light" panose="020F0302020204030204" pitchFamily="34" charset="0"/>
+              </a:rPr>
+              <a:t>Penz Manuel – </a:t>
+            </a:r>
+            <a:r>
+              <a:rPr lang="de-DE" sz="1000" spc="-1" dirty="0" err="1">
+                <a:latin typeface="Calibri Light" panose="020F0302020204030204" pitchFamily="34" charset="0"/>
+                <a:cs typeface="Calibri Light" panose="020F0302020204030204" pitchFamily="34" charset="0"/>
+              </a:rPr>
+              <a:t>Rasmusen</a:t>
+            </a:r>
+            <a:r>
+              <a:rPr lang="de-DE" sz="1000" spc="-1" dirty="0">
+                <a:latin typeface="Calibri Light" panose="020F0302020204030204" pitchFamily="34" charset="0"/>
+                <a:cs typeface="Calibri Light" panose="020F0302020204030204" pitchFamily="34" charset="0"/>
+              </a:rPr>
+              <a:t> Sven – </a:t>
+            </a:r>
+            <a:r>
+              <a:rPr lang="de-DE" sz="1000" spc="-1" dirty="0" err="1">
+                <a:latin typeface="Calibri Light" panose="020F0302020204030204" pitchFamily="34" charset="0"/>
+                <a:cs typeface="Calibri Light" panose="020F0302020204030204" pitchFamily="34" charset="0"/>
+              </a:rPr>
+              <a:t>Zaric</a:t>
+            </a:r>
+            <a:r>
+              <a:rPr lang="de-DE" sz="1000" spc="-1" dirty="0">
+                <a:latin typeface="Calibri Light" panose="020F0302020204030204" pitchFamily="34" charset="0"/>
+                <a:cs typeface="Calibri Light" panose="020F0302020204030204" pitchFamily="34" charset="0"/>
+              </a:rPr>
+              <a:t> </a:t>
+            </a:r>
+            <a:r>
+              <a:rPr lang="de-DE" sz="1000" dirty="0">
+                <a:latin typeface="Calibri Light" panose="020F0302020204030204" pitchFamily="34" charset="0"/>
+                <a:cs typeface="Calibri Light" panose="020F0302020204030204" pitchFamily="34" charset="0"/>
+              </a:rPr>
+              <a:t>Marko</a:t>
+            </a:r>
+            <a:r>
               <a:rPr lang="de-DE" sz="1000" b="0" strike="noStrike" spc="-1" dirty="0">
                 <a:solidFill>
                   <a:schemeClr val="tx1"/>
                 </a:solidFill>
-                <a:latin typeface="Calibri" panose="020F0502020204030204" pitchFamily="34" charset="0"/>
-                <a:cs typeface="Calibri" panose="020F0502020204030204" pitchFamily="34" charset="0"/>
-              </a:rPr>
-              <a:t>Sven Rasmusen - Marko Zaric – Manuel Penz </a:t>
+                <a:latin typeface="Calibri Light" panose="020F0302020204030204" pitchFamily="34" charset="0"/>
+                <a:cs typeface="Calibri Light" panose="020F0302020204030204" pitchFamily="34" charset="0"/>
+              </a:rPr>
+              <a:t> </a:t>
             </a:r>
             <a:r>
               <a:rPr lang="de-DE" sz="1000" b="0" strike="noStrike" spc="-1" dirty="0">
@@ -14007,8 +14494,44 @@
                 </a:solidFill>
                 <a:latin typeface="Calibri"/>
               </a:rPr>
-              <a:t>JSON, CSV, and TSV data</a:t>
-            </a:r>
+              <a:t>JSON, CSV, and TSV </a:t>
+            </a:r>
+            <a:r>
+              <a:rPr lang="de-DE" sz="1600" b="0" strike="noStrike" spc="-1" dirty="0" err="1">
+                <a:solidFill>
+                  <a:srgbClr val="000000"/>
+                </a:solidFill>
+                <a:latin typeface="Calibri"/>
+              </a:rPr>
+              <a:t>data</a:t>
+            </a:r>
+            <a:endParaRPr lang="de-DE" sz="1600" b="0" strike="noStrike" spc="-1" dirty="0">
+              <a:solidFill>
+                <a:srgbClr val="000000"/>
+              </a:solidFill>
+              <a:latin typeface="Calibri"/>
+            </a:endParaRPr>
+          </a:p>
+          <a:p>
+            <a:pPr marL="1143000" lvl="2" indent="-228600">
+              <a:lnSpc>
+                <a:spcPct val="90000"/>
+              </a:lnSpc>
+              <a:spcBef>
+                <a:spcPts val="499"/>
+              </a:spcBef>
+              <a:buClr>
+                <a:srgbClr val="000000"/>
+              </a:buClr>
+              <a:buFont typeface="Arial"/>
+              <a:buChar char="•"/>
+            </a:pPr>
+            <a:endParaRPr lang="de-DE" sz="1600" b="0" strike="noStrike" spc="-1" dirty="0">
+              <a:solidFill>
+                <a:srgbClr val="000000"/>
+              </a:solidFill>
+              <a:latin typeface="Calibri"/>
+            </a:endParaRPr>
           </a:p>
           <a:p>
             <a:pPr marL="285840" indent="-285840">
